--- a/slides/ambition_pytennessee.pptx
+++ b/slides/ambition_pytennessee.pptx
@@ -7276,7 +7276,19 @@
             </a:pPr>
             <a:r>
               <a:rPr lang="en"/>
-              <a:t>Wes Kendall, Micah Hausler, Rob deCarvalho, Jeff McRiffey</a:t>
+              <a:t>Wes Kendall, Micah Hausler, </a:t>
+            </a:r>
+          </a:p>
+          <a:p>
+            <a:pPr rtl="0">
+              <a:spcBef>
+                <a:spcPts val="0"/>
+              </a:spcBef>
+              <a:buNone/>
+            </a:pPr>
+            <a:r>
+              <a:rPr lang="en"/>
+              <a:t>Rob deCarvalho, Jeff McRiffey</a:t>
             </a:r>
           </a:p>
         </p:txBody>
@@ -24259,7 +24271,7 @@
             </a:pPr>
             <a:r>
               <a:rPr lang="en"/>
-              <a:t>Front End</a:t>
+              <a:t>Front End Architecture</a:t>
             </a:r>
           </a:p>
         </p:txBody>
@@ -27893,7 +27905,7 @@
             </a:pPr>
             <a:r>
               <a:rPr sz="2400" lang="en"/>
-              <a:t>Maintain these practices on the UI and treat it as a first-class citizen. We did this with React.</a:t>
+              <a:t>Maintain these practices on the UI and treat it as a first-class citizen. We did this with React and Flux.</a:t>
             </a:r>
           </a:p>
         </p:txBody>
@@ -29208,283 +29220,6 @@
 </file>
 
 <file path=ppt/theme/theme1.xml><?xml version="1.0" encoding="utf-8"?>
-<a:theme xmlns:a="http://schemas.openxmlformats.org/drawingml/2006/main" xmlns:r="http://schemas.openxmlformats.org/officeDocument/2006/relationships" name="Custom Theme">
-  <a:themeElements>
-    <a:clrScheme name="Default">
-      <a:dk1>
-        <a:srgbClr val="000000"/>
-      </a:dk1>
-      <a:lt1>
-        <a:srgbClr val="FFFFFF"/>
-      </a:lt1>
-      <a:dk2>
-        <a:srgbClr val="158158"/>
-      </a:dk2>
-      <a:lt2>
-        <a:srgbClr val="F3F3F3"/>
-      </a:lt2>
-      <a:accent1>
-        <a:srgbClr val="058DC7"/>
-      </a:accent1>
-      <a:accent2>
-        <a:srgbClr val="50B432"/>
-      </a:accent2>
-      <a:accent3>
-        <a:srgbClr val="ED561B"/>
-      </a:accent3>
-      <a:accent4>
-        <a:srgbClr val="EDEF00"/>
-      </a:accent4>
-      <a:accent5>
-        <a:srgbClr val="24CBE5"/>
-      </a:accent5>
-      <a:accent6>
-        <a:srgbClr val="64E572"/>
-      </a:accent6>
-      <a:hlink>
-        <a:srgbClr val="2200CC"/>
-      </a:hlink>
-      <a:folHlink>
-        <a:srgbClr val="551A8B"/>
-      </a:folHlink>
-    </a:clrScheme>
-    <a:fontScheme name="Office">
-      <a:majorFont>
-        <a:latin typeface="Arial"/>
-        <a:ea typeface=""/>
-        <a:cs typeface=""/>
-        <a:font typeface="ＭＳ Ｐゴシック" script="Jpan"/>
-        <a:font typeface="맑은 고딕" script="Hang"/>
-        <a:font typeface="宋体" script="Hans"/>
-        <a:font typeface="新細明體" script="Hant"/>
-        <a:font typeface="Times New Roman" script="Arab"/>
-        <a:font typeface="Times New Roman" script="Hebr"/>
-        <a:font typeface="Angsana New" script="Thai"/>
-        <a:font typeface="Nyala" script="Ethi"/>
-        <a:font typeface="Vrinda" script="Beng"/>
-        <a:font typeface="Shruti" script="Gujr"/>
-        <a:font typeface="MoolBoran" script="Khmr"/>
-        <a:font typeface="Tunga" script="Knda"/>
-        <a:font typeface="Raavi" script="Guru"/>
-        <a:font typeface="Euphemia" script="Cans"/>
-        <a:font typeface="Plantagenet Cherokee" script="Cher"/>
-        <a:font typeface="Microsoft Yi Baiti" script="Yiii"/>
-        <a:font typeface="Microsoft Himalaya" script="Tibt"/>
-        <a:font typeface="MV Boli" script="Thaa"/>
-        <a:font typeface="Mangal" script="Deva"/>
-        <a:font typeface="Gautami" script="Telu"/>
-        <a:font typeface="Latha" script="Taml"/>
-        <a:font typeface="Estrangelo Edessa" script="Syrc"/>
-        <a:font typeface="Kalinga" script="Orya"/>
-        <a:font typeface="Kartika" script="Mlym"/>
-        <a:font typeface="DokChampa" script="Laoo"/>
-        <a:font typeface="Iskoola Pota" script="Sinh"/>
-        <a:font typeface="Mongolian Baiti" script="Mong"/>
-        <a:font typeface="Times New Roman" script="Viet"/>
-        <a:font typeface="Microsoft Uighur" script="Uigh"/>
-      </a:majorFont>
-      <a:minorFont>
-        <a:latin typeface="Arial"/>
-        <a:ea typeface=""/>
-        <a:cs typeface=""/>
-        <a:font typeface="ＭＳ Ｐゴシック" script="Jpan"/>
-        <a:font typeface="맑은 고딕" script="Hang"/>
-        <a:font typeface="宋体" script="Hans"/>
-        <a:font typeface="新細明體" script="Hant"/>
-        <a:font typeface="Times New Roman" script="Arab"/>
-        <a:font typeface="Times New Roman" script="Hebr"/>
-        <a:font typeface="Angsana New" script="Thai"/>
-        <a:font typeface="Nyala" script="Ethi"/>
-        <a:font typeface="Vrinda" script="Beng"/>
-        <a:font typeface="Shruti" script="Gujr"/>
-        <a:font typeface="MoolBoran" script="Khmr"/>
-        <a:font typeface="Tunga" script="Knda"/>
-        <a:font typeface="Raavi" script="Guru"/>
-        <a:font typeface="Euphemia" script="Cans"/>
-        <a:font typeface="Plantagenet Cherokee" script="Cher"/>
-        <a:font typeface="Microsoft Yi Baiti" script="Yiii"/>
-        <a:font typeface="Microsoft Himalaya" script="Tibt"/>
-        <a:font typeface="MV Boli" script="Thaa"/>
-        <a:font typeface="Mangal" script="Deva"/>
-        <a:font typeface="Gautami" script="Telu"/>
-        <a:font typeface="Latha" script="Taml"/>
-        <a:font typeface="Estrangelo Edessa" script="Syrc"/>
-        <a:font typeface="Kalinga" script="Orya"/>
-        <a:font typeface="Kartika" script="Mlym"/>
-        <a:font typeface="DokChampa" script="Laoo"/>
-        <a:font typeface="Iskoola Pota" script="Sinh"/>
-        <a:font typeface="Mongolian Baiti" script="Mong"/>
-        <a:font typeface="Times New Roman" script="Viet"/>
-        <a:font typeface="Microsoft Uighur" script="Uigh"/>
-      </a:minorFont>
-    </a:fontScheme>
-    <a:fmtScheme name="Office">
-      <a:fillStyleLst>
-        <a:solidFill>
-          <a:schemeClr val="phClr"/>
-        </a:solidFill>
-        <a:gradFill rotWithShape="1">
-          <a:gsLst>
-            <a:gs pos="0">
-              <a:schemeClr val="phClr">
-                <a:tint val="50000"/>
-                <a:satMod val="300000"/>
-              </a:schemeClr>
-            </a:gs>
-            <a:gs pos="35000">
-              <a:schemeClr val="phClr">
-                <a:tint val="37000"/>
-                <a:satMod val="300000"/>
-              </a:schemeClr>
-            </a:gs>
-            <a:gs pos="100000">
-              <a:schemeClr val="phClr">
-                <a:tint val="15000"/>
-                <a:satMod val="350000"/>
-              </a:schemeClr>
-            </a:gs>
-          </a:gsLst>
-          <a:lin ang="16200000" scaled="1"/>
-        </a:gradFill>
-        <a:gradFill rotWithShape="1">
-          <a:gsLst>
-            <a:gs pos="0">
-              <a:schemeClr val="phClr">
-                <a:tint val="100000"/>
-                <a:shade val="100000"/>
-                <a:satMod val="130000"/>
-              </a:schemeClr>
-            </a:gs>
-            <a:gs pos="100000">
-              <a:schemeClr val="phClr">
-                <a:tint val="50000"/>
-                <a:shade val="100000"/>
-                <a:satMod val="350000"/>
-              </a:schemeClr>
-            </a:gs>
-          </a:gsLst>
-          <a:lin ang="16200000" scaled="0"/>
-        </a:gradFill>
-      </a:fillStyleLst>
-      <a:lnStyleLst>
-        <a:ln w="9525" algn="ctr" cap="flat" cmpd="sng">
-          <a:solidFill>
-            <a:schemeClr val="phClr">
-              <a:shade val="95000"/>
-              <a:satMod val="105000"/>
-            </a:schemeClr>
-          </a:solidFill>
-          <a:prstDash val="solid"/>
-        </a:ln>
-        <a:ln w="25400" algn="ctr" cap="flat" cmpd="sng">
-          <a:solidFill>
-            <a:schemeClr val="phClr"/>
-          </a:solidFill>
-          <a:prstDash val="solid"/>
-        </a:ln>
-        <a:ln w="38100" algn="ctr" cap="flat" cmpd="sng">
-          <a:solidFill>
-            <a:schemeClr val="phClr"/>
-          </a:solidFill>
-          <a:prstDash val="solid"/>
-        </a:ln>
-      </a:lnStyleLst>
-      <a:effectStyleLst>
-        <a:effectStyle>
-          <a:effectLst>
-            <a:outerShdw rotWithShape="0" dir="5400000" blurRad="40000" dist="20000">
-              <a:srgbClr val="000000">
-                <a:alpha val="38000"/>
-              </a:srgbClr>
-            </a:outerShdw>
-          </a:effectLst>
-        </a:effectStyle>
-        <a:effectStyle>
-          <a:effectLst>
-            <a:outerShdw rotWithShape="0" dir="5400000" blurRad="40000" dist="23000">
-              <a:srgbClr val="000000">
-                <a:alpha val="35000"/>
-              </a:srgbClr>
-            </a:outerShdw>
-          </a:effectLst>
-        </a:effectStyle>
-        <a:effectStyle>
-          <a:effectLst>
-            <a:outerShdw rotWithShape="0" dir="5400000" blurRad="40000" dist="23000">
-              <a:srgbClr val="000000">
-                <a:alpha val="35000"/>
-              </a:srgbClr>
-            </a:outerShdw>
-          </a:effectLst>
-          <a:scene3d>
-            <a:camera prst="orthographicFront">
-              <a:rot rev="0" lon="0" lat="0"/>
-            </a:camera>
-            <a:lightRig dir="t" rig="threePt">
-              <a:rot rev="1200000" lon="0" lat="0"/>
-            </a:lightRig>
-          </a:scene3d>
-          <a:sp3d>
-            <a:bevelT w="63500" h="25400"/>
-          </a:sp3d>
-        </a:effectStyle>
-      </a:effectStyleLst>
-      <a:bgFillStyleLst>
-        <a:solidFill>
-          <a:schemeClr val="phClr"/>
-        </a:solidFill>
-        <a:gradFill rotWithShape="1">
-          <a:gsLst>
-            <a:gs pos="0">
-              <a:schemeClr val="phClr">
-                <a:tint val="40000"/>
-                <a:satMod val="350000"/>
-              </a:schemeClr>
-            </a:gs>
-            <a:gs pos="40000">
-              <a:schemeClr val="phClr">
-                <a:tint val="45000"/>
-                <a:shade val="99000"/>
-                <a:satMod val="350000"/>
-              </a:schemeClr>
-            </a:gs>
-            <a:gs pos="100000">
-              <a:schemeClr val="phClr">
-                <a:shade val="20000"/>
-                <a:satMod val="255000"/>
-              </a:schemeClr>
-            </a:gs>
-          </a:gsLst>
-          <a:path path="circle">
-            <a:fillToRect t="-80000" b="180000" r="50000" l="50000"/>
-          </a:path>
-        </a:gradFill>
-        <a:gradFill rotWithShape="1">
-          <a:gsLst>
-            <a:gs pos="0">
-              <a:schemeClr val="phClr">
-                <a:tint val="80000"/>
-                <a:satMod val="300000"/>
-              </a:schemeClr>
-            </a:gs>
-            <a:gs pos="100000">
-              <a:schemeClr val="phClr">
-                <a:shade val="30000"/>
-                <a:satMod val="200000"/>
-              </a:schemeClr>
-            </a:gs>
-          </a:gsLst>
-          <a:path path="circle">
-            <a:fillToRect t="50000" b="50000" r="50000" l="50000"/>
-          </a:path>
-        </a:gradFill>
-      </a:bgFillStyleLst>
-    </a:fmtScheme>
-  </a:themeElements>
-</a:theme>
-</file>
-
-<file path=ppt/theme/theme2.xml><?xml version="1.0" encoding="utf-8"?>
 <a:theme xmlns:a="http://schemas.openxmlformats.org/drawingml/2006/main" xmlns:r="http://schemas.openxmlformats.org/officeDocument/2006/relationships" name="simple-light">
   <a:themeElements>
     <a:clrScheme name="Custom 347">
@@ -29761,7 +29496,7 @@
 </a:theme>
 </file>
 
-<file path=ppt/theme/theme3.xml><?xml version="1.0" encoding="utf-8"?>
+<file path=ppt/theme/theme2.xml><?xml version="1.0" encoding="utf-8"?>
 <a:theme xmlns:a="http://schemas.openxmlformats.org/drawingml/2006/main" xmlns:r="http://schemas.openxmlformats.org/officeDocument/2006/relationships" name="Office Theme">
   <a:themeElements>
     <a:clrScheme name="Office">
@@ -30076,4 +29811,281 @@
     </a:lnDef>
   </a:objectDefaults>
 </a:theme>
+</file>
+
+<file path=ppt/theme/theme3.xml><?xml version="1.0" encoding="utf-8"?>
+<a:theme xmlns:a="http://schemas.openxmlformats.org/drawingml/2006/main" xmlns:r="http://schemas.openxmlformats.org/officeDocument/2006/relationships" name="Custom Theme">
+  <a:themeElements>
+    <a:clrScheme name="Default">
+      <a:dk1>
+        <a:srgbClr val="000000"/>
+      </a:dk1>
+      <a:lt1>
+        <a:srgbClr val="FFFFFF"/>
+      </a:lt1>
+      <a:dk2>
+        <a:srgbClr val="158158"/>
+      </a:dk2>
+      <a:lt2>
+        <a:srgbClr val="F3F3F3"/>
+      </a:lt2>
+      <a:accent1>
+        <a:srgbClr val="058DC7"/>
+      </a:accent1>
+      <a:accent2>
+        <a:srgbClr val="50B432"/>
+      </a:accent2>
+      <a:accent3>
+        <a:srgbClr val="ED561B"/>
+      </a:accent3>
+      <a:accent4>
+        <a:srgbClr val="EDEF00"/>
+      </a:accent4>
+      <a:accent5>
+        <a:srgbClr val="24CBE5"/>
+      </a:accent5>
+      <a:accent6>
+        <a:srgbClr val="64E572"/>
+      </a:accent6>
+      <a:hlink>
+        <a:srgbClr val="2200CC"/>
+      </a:hlink>
+      <a:folHlink>
+        <a:srgbClr val="551A8B"/>
+      </a:folHlink>
+    </a:clrScheme>
+    <a:fontScheme name="Office">
+      <a:majorFont>
+        <a:latin typeface="Arial"/>
+        <a:ea typeface=""/>
+        <a:cs typeface=""/>
+        <a:font typeface="ＭＳ Ｐゴシック" script="Jpan"/>
+        <a:font typeface="맑은 고딕" script="Hang"/>
+        <a:font typeface="宋体" script="Hans"/>
+        <a:font typeface="新細明體" script="Hant"/>
+        <a:font typeface="Times New Roman" script="Arab"/>
+        <a:font typeface="Times New Roman" script="Hebr"/>
+        <a:font typeface="Angsana New" script="Thai"/>
+        <a:font typeface="Nyala" script="Ethi"/>
+        <a:font typeface="Vrinda" script="Beng"/>
+        <a:font typeface="Shruti" script="Gujr"/>
+        <a:font typeface="MoolBoran" script="Khmr"/>
+        <a:font typeface="Tunga" script="Knda"/>
+        <a:font typeface="Raavi" script="Guru"/>
+        <a:font typeface="Euphemia" script="Cans"/>
+        <a:font typeface="Plantagenet Cherokee" script="Cher"/>
+        <a:font typeface="Microsoft Yi Baiti" script="Yiii"/>
+        <a:font typeface="Microsoft Himalaya" script="Tibt"/>
+        <a:font typeface="MV Boli" script="Thaa"/>
+        <a:font typeface="Mangal" script="Deva"/>
+        <a:font typeface="Gautami" script="Telu"/>
+        <a:font typeface="Latha" script="Taml"/>
+        <a:font typeface="Estrangelo Edessa" script="Syrc"/>
+        <a:font typeface="Kalinga" script="Orya"/>
+        <a:font typeface="Kartika" script="Mlym"/>
+        <a:font typeface="DokChampa" script="Laoo"/>
+        <a:font typeface="Iskoola Pota" script="Sinh"/>
+        <a:font typeface="Mongolian Baiti" script="Mong"/>
+        <a:font typeface="Times New Roman" script="Viet"/>
+        <a:font typeface="Microsoft Uighur" script="Uigh"/>
+      </a:majorFont>
+      <a:minorFont>
+        <a:latin typeface="Arial"/>
+        <a:ea typeface=""/>
+        <a:cs typeface=""/>
+        <a:font typeface="ＭＳ Ｐゴシック" script="Jpan"/>
+        <a:font typeface="맑은 고딕" script="Hang"/>
+        <a:font typeface="宋体" script="Hans"/>
+        <a:font typeface="新細明體" script="Hant"/>
+        <a:font typeface="Times New Roman" script="Arab"/>
+        <a:font typeface="Times New Roman" script="Hebr"/>
+        <a:font typeface="Angsana New" script="Thai"/>
+        <a:font typeface="Nyala" script="Ethi"/>
+        <a:font typeface="Vrinda" script="Beng"/>
+        <a:font typeface="Shruti" script="Gujr"/>
+        <a:font typeface="MoolBoran" script="Khmr"/>
+        <a:font typeface="Tunga" script="Knda"/>
+        <a:font typeface="Raavi" script="Guru"/>
+        <a:font typeface="Euphemia" script="Cans"/>
+        <a:font typeface="Plantagenet Cherokee" script="Cher"/>
+        <a:font typeface="Microsoft Yi Baiti" script="Yiii"/>
+        <a:font typeface="Microsoft Himalaya" script="Tibt"/>
+        <a:font typeface="MV Boli" script="Thaa"/>
+        <a:font typeface="Mangal" script="Deva"/>
+        <a:font typeface="Gautami" script="Telu"/>
+        <a:font typeface="Latha" script="Taml"/>
+        <a:font typeface="Estrangelo Edessa" script="Syrc"/>
+        <a:font typeface="Kalinga" script="Orya"/>
+        <a:font typeface="Kartika" script="Mlym"/>
+        <a:font typeface="DokChampa" script="Laoo"/>
+        <a:font typeface="Iskoola Pota" script="Sinh"/>
+        <a:font typeface="Mongolian Baiti" script="Mong"/>
+        <a:font typeface="Times New Roman" script="Viet"/>
+        <a:font typeface="Microsoft Uighur" script="Uigh"/>
+      </a:minorFont>
+    </a:fontScheme>
+    <a:fmtScheme name="Office">
+      <a:fillStyleLst>
+        <a:solidFill>
+          <a:schemeClr val="phClr"/>
+        </a:solidFill>
+        <a:gradFill rotWithShape="1">
+          <a:gsLst>
+            <a:gs pos="0">
+              <a:schemeClr val="phClr">
+                <a:tint val="50000"/>
+                <a:satMod val="300000"/>
+              </a:schemeClr>
+            </a:gs>
+            <a:gs pos="35000">
+              <a:schemeClr val="phClr">
+                <a:tint val="37000"/>
+                <a:satMod val="300000"/>
+              </a:schemeClr>
+            </a:gs>
+            <a:gs pos="100000">
+              <a:schemeClr val="phClr">
+                <a:tint val="15000"/>
+                <a:satMod val="350000"/>
+              </a:schemeClr>
+            </a:gs>
+          </a:gsLst>
+          <a:lin ang="16200000" scaled="1"/>
+        </a:gradFill>
+        <a:gradFill rotWithShape="1">
+          <a:gsLst>
+            <a:gs pos="0">
+              <a:schemeClr val="phClr">
+                <a:tint val="100000"/>
+                <a:shade val="100000"/>
+                <a:satMod val="130000"/>
+              </a:schemeClr>
+            </a:gs>
+            <a:gs pos="100000">
+              <a:schemeClr val="phClr">
+                <a:tint val="50000"/>
+                <a:shade val="100000"/>
+                <a:satMod val="350000"/>
+              </a:schemeClr>
+            </a:gs>
+          </a:gsLst>
+          <a:lin ang="16200000" scaled="0"/>
+        </a:gradFill>
+      </a:fillStyleLst>
+      <a:lnStyleLst>
+        <a:ln w="9525" algn="ctr" cap="flat" cmpd="sng">
+          <a:solidFill>
+            <a:schemeClr val="phClr">
+              <a:shade val="95000"/>
+              <a:satMod val="105000"/>
+            </a:schemeClr>
+          </a:solidFill>
+          <a:prstDash val="solid"/>
+        </a:ln>
+        <a:ln w="25400" algn="ctr" cap="flat" cmpd="sng">
+          <a:solidFill>
+            <a:schemeClr val="phClr"/>
+          </a:solidFill>
+          <a:prstDash val="solid"/>
+        </a:ln>
+        <a:ln w="38100" algn="ctr" cap="flat" cmpd="sng">
+          <a:solidFill>
+            <a:schemeClr val="phClr"/>
+          </a:solidFill>
+          <a:prstDash val="solid"/>
+        </a:ln>
+      </a:lnStyleLst>
+      <a:effectStyleLst>
+        <a:effectStyle>
+          <a:effectLst>
+            <a:outerShdw rotWithShape="0" dir="5400000" blurRad="40000" dist="20000">
+              <a:srgbClr val="000000">
+                <a:alpha val="38000"/>
+              </a:srgbClr>
+            </a:outerShdw>
+          </a:effectLst>
+        </a:effectStyle>
+        <a:effectStyle>
+          <a:effectLst>
+            <a:outerShdw rotWithShape="0" dir="5400000" blurRad="40000" dist="23000">
+              <a:srgbClr val="000000">
+                <a:alpha val="35000"/>
+              </a:srgbClr>
+            </a:outerShdw>
+          </a:effectLst>
+        </a:effectStyle>
+        <a:effectStyle>
+          <a:effectLst>
+            <a:outerShdw rotWithShape="0" dir="5400000" blurRad="40000" dist="23000">
+              <a:srgbClr val="000000">
+                <a:alpha val="35000"/>
+              </a:srgbClr>
+            </a:outerShdw>
+          </a:effectLst>
+          <a:scene3d>
+            <a:camera prst="orthographicFront">
+              <a:rot rev="0" lon="0" lat="0"/>
+            </a:camera>
+            <a:lightRig dir="t" rig="threePt">
+              <a:rot rev="1200000" lon="0" lat="0"/>
+            </a:lightRig>
+          </a:scene3d>
+          <a:sp3d>
+            <a:bevelT w="63500" h="25400"/>
+          </a:sp3d>
+        </a:effectStyle>
+      </a:effectStyleLst>
+      <a:bgFillStyleLst>
+        <a:solidFill>
+          <a:schemeClr val="phClr"/>
+        </a:solidFill>
+        <a:gradFill rotWithShape="1">
+          <a:gsLst>
+            <a:gs pos="0">
+              <a:schemeClr val="phClr">
+                <a:tint val="40000"/>
+                <a:satMod val="350000"/>
+              </a:schemeClr>
+            </a:gs>
+            <a:gs pos="40000">
+              <a:schemeClr val="phClr">
+                <a:tint val="45000"/>
+                <a:shade val="99000"/>
+                <a:satMod val="350000"/>
+              </a:schemeClr>
+            </a:gs>
+            <a:gs pos="100000">
+              <a:schemeClr val="phClr">
+                <a:shade val="20000"/>
+                <a:satMod val="255000"/>
+              </a:schemeClr>
+            </a:gs>
+          </a:gsLst>
+          <a:path path="circle">
+            <a:fillToRect t="-80000" b="180000" r="50000" l="50000"/>
+          </a:path>
+        </a:gradFill>
+        <a:gradFill rotWithShape="1">
+          <a:gsLst>
+            <a:gs pos="0">
+              <a:schemeClr val="phClr">
+                <a:tint val="80000"/>
+                <a:satMod val="300000"/>
+              </a:schemeClr>
+            </a:gs>
+            <a:gs pos="100000">
+              <a:schemeClr val="phClr">
+                <a:shade val="30000"/>
+                <a:satMod val="200000"/>
+              </a:schemeClr>
+            </a:gs>
+          </a:gsLst>
+          <a:path path="circle">
+            <a:fillToRect t="50000" b="50000" r="50000" l="50000"/>
+          </a:path>
+        </a:gradFill>
+      </a:bgFillStyleLst>
+    </a:fmtScheme>
+  </a:themeElements>
+</a:theme>
 </file>
--- a/slides/ambition_pytennessee.pptx
+++ b/slides/ambition_pytennessee.pptx
@@ -53,6 +53,7 @@
     <p:sldId id="298" r:id="rId48"/>
     <p:sldId id="299" r:id="rId49"/>
     <p:sldId id="300" r:id="rId50"/>
+    <p:sldId id="301" r:id="rId51"/>
   </p:sldIdLst>
   <p:sldSz cy="5143500" cx="9144000"/>
   <p:notesSz cy="9144000" cx="6858000"/>
@@ -4414,7 +4415,7 @@
   <p:cSld>
     <p:spTree>
       <p:nvGrpSpPr>
-        <p:cNvPr id="623" name="Shape 623"/>
+        <p:cNvPr id="622" name="Shape 622"/>
         <p:cNvGrpSpPr/>
         <p:nvPr/>
       </p:nvGrpSpPr>
@@ -4428,7 +4429,7 @@
       </p:grpSpPr>
       <p:sp>
         <p:nvSpPr>
-          <p:cNvPr id="624" name="Shape 624"/>
+          <p:cNvPr id="623" name="Shape 623"/>
           <p:cNvSpPr/>
           <p:nvPr>
             <p:ph idx="2" type="sldImg"/>
@@ -4472,7 +4473,7 @@
       </p:sp>
       <p:sp>
         <p:nvSpPr>
-          <p:cNvPr id="625" name="Shape 625"/>
+          <p:cNvPr id="624" name="Shape 624"/>
           <p:cNvSpPr txBox="1"/>
           <p:nvPr>
             <p:ph idx="1" type="body"/>
@@ -4493,7 +4494,7 @@
           </a:bodyPr>
           <a:lstStyle/>
           <a:p>
-            <a:pPr rtl="0" lvl="0">
+            <a:pPr>
               <a:spcBef>
                 <a:spcPts val="0"/>
               </a:spcBef>
@@ -4519,7 +4520,7 @@
   <p:cSld>
     <p:spTree>
       <p:nvGrpSpPr>
-        <p:cNvPr id="629" name="Shape 629"/>
+        <p:cNvPr id="628" name="Shape 628"/>
         <p:cNvGrpSpPr/>
         <p:nvPr/>
       </p:nvGrpSpPr>
@@ -4533,7 +4534,7 @@
       </p:grpSpPr>
       <p:sp>
         <p:nvSpPr>
-          <p:cNvPr id="630" name="Shape 630"/>
+          <p:cNvPr id="629" name="Shape 629"/>
           <p:cNvSpPr/>
           <p:nvPr>
             <p:ph idx="2" type="sldImg"/>
@@ -4577,7 +4578,112 @@
       </p:sp>
       <p:sp>
         <p:nvSpPr>
-          <p:cNvPr id="631" name="Shape 631"/>
+          <p:cNvPr id="630" name="Shape 630"/>
+          <p:cNvSpPr txBox="1"/>
+          <p:nvPr>
+            <p:ph idx="1" type="body"/>
+          </p:nvPr>
+        </p:nvSpPr>
+        <p:spPr>
+          <a:xfrm>
+            <a:off y="4343400" x="685800"/>
+            <a:ext cy="4114800" cx="5486399"/>
+          </a:xfrm>
+          <a:prstGeom prst="rect">
+            <a:avLst/>
+          </a:prstGeom>
+        </p:spPr>
+        <p:txBody>
+          <a:bodyPr bIns="91425" rIns="91425" lIns="91425" tIns="91425" anchor="t" anchorCtr="0">
+            <a:noAutofit/>
+          </a:bodyPr>
+          <a:lstStyle/>
+          <a:p>
+            <a:pPr rtl="0" lvl="0">
+              <a:spcBef>
+                <a:spcPts val="0"/>
+              </a:spcBef>
+              <a:buNone/>
+            </a:pPr>
+            <a:r>
+              <a:t/>
+            </a:r>
+            <a:endParaRPr/>
+          </a:p>
+        </p:txBody>
+      </p:sp>
+    </p:spTree>
+  </p:cSld>
+  <p:clrMapOvr>
+    <a:masterClrMapping/>
+  </p:clrMapOvr>
+</p:notes>
+</file>
+
+<file path=ppt/notesSlides/notesSlide46.xml><?xml version="1.0" encoding="utf-8"?>
+<p:notes xmlns:a="http://schemas.openxmlformats.org/drawingml/2006/main" xmlns:r="http://schemas.openxmlformats.org/officeDocument/2006/relationships" xmlns:mc="http://schemas.openxmlformats.org/markup-compatibility/2006" xmlns:mv="urn:schemas-microsoft-com:mac:vml" xmlns:p="http://schemas.openxmlformats.org/presentationml/2006/main" xmlns:c="http://schemas.openxmlformats.org/drawingml/2006/chart" xmlns:dgm="http://schemas.openxmlformats.org/drawingml/2006/diagram" xmlns:o="urn:schemas-microsoft-com:office:office" xmlns:v="urn:schemas-microsoft-com:vml" xmlns:pvml="urn:schemas-microsoft-com:office:powerpoint" xmlns:com="http://schemas.openxmlformats.org/drawingml/2006/compatibility" xmlns:p14="http://schemas.microsoft.com/office/powerpoint/2010/main" showMasterSp="0" showMasterPhAnim="0">
+  <p:cSld>
+    <p:spTree>
+      <p:nvGrpSpPr>
+        <p:cNvPr id="634" name="Shape 634"/>
+        <p:cNvGrpSpPr/>
+        <p:nvPr/>
+      </p:nvGrpSpPr>
+      <p:grpSpPr>
+        <a:xfrm>
+          <a:off y="0" x="0"/>
+          <a:ext cy="0" cx="0"/>
+          <a:chOff y="0" x="0"/>
+          <a:chExt cy="0" cx="0"/>
+        </a:xfrm>
+      </p:grpSpPr>
+      <p:sp>
+        <p:nvSpPr>
+          <p:cNvPr id="635" name="Shape 635"/>
+          <p:cNvSpPr/>
+          <p:nvPr>
+            <p:ph idx="2" type="sldImg"/>
+          </p:nvPr>
+        </p:nvSpPr>
+        <p:spPr>
+          <a:xfrm>
+            <a:off y="685800" x="381187"/>
+            <a:ext cy="3429000" cx="6096299"/>
+          </a:xfrm>
+          <a:custGeom>
+            <a:pathLst>
+              <a:path w="120000" extrusionOk="0" h="120000">
+                <a:moveTo>
+                  <a:pt y="0" x="0"/>
+                </a:moveTo>
+                <a:lnTo>
+                  <a:pt y="0" x="120000"/>
+                </a:lnTo>
+                <a:lnTo>
+                  <a:pt y="120000" x="120000"/>
+                </a:lnTo>
+                <a:lnTo>
+                  <a:pt y="120000" x="0"/>
+                </a:lnTo>
+                <a:close/>
+              </a:path>
+            </a:pathLst>
+          </a:custGeom>
+          <a:noFill/>
+          <a:ln w="9525" cap="flat">
+            <a:solidFill>
+              <a:srgbClr val="000000"/>
+            </a:solidFill>
+            <a:prstDash val="solid"/>
+            <a:round/>
+            <a:headEnd w="med" len="med" type="none"/>
+            <a:tailEnd w="med" len="med" type="none"/>
+          </a:ln>
+        </p:spPr>
+      </p:sp>
+      <p:sp>
+        <p:nvSpPr>
+          <p:cNvPr id="636" name="Shape 636"/>
           <p:cNvSpPr txBox="1"/>
           <p:nvPr>
             <p:ph idx="1" type="body"/>
@@ -27785,8 +27891,8 @@
         </p:nvSpPr>
         <p:spPr>
           <a:xfrm>
-            <a:off y="-98821" x="457200"/>
-            <a:ext cy="857400" cx="8229600"/>
+            <a:off y="2195100" x="457200"/>
+            <a:ext cy="753300" cx="8229600"/>
           </a:xfrm>
           <a:prstGeom prst="rect">
             <a:avLst/>
@@ -27798,114 +27904,20 @@
           </a:bodyPr>
           <a:lstStyle/>
           <a:p>
-            <a:pPr rtl="0" lvl="0">
-              <a:spcBef>
-                <a:spcPts val="0"/>
-              </a:spcBef>
-              <a:buNone/>
-            </a:pPr>
-            <a:r>
-              <a:rPr lang="en"/>
-              <a:t>Conclusion</a:t>
-            </a:r>
-          </a:p>
-        </p:txBody>
-      </p:sp>
-      <p:sp>
-        <p:nvSpPr>
-          <p:cNvPr id="622" name="Shape 622"/>
-          <p:cNvSpPr txBox="1"/>
-          <p:nvPr>
-            <p:ph idx="1" type="body"/>
-          </p:nvPr>
-        </p:nvSpPr>
-        <p:spPr>
-          <a:xfrm>
-            <a:off y="742950" x="457200"/>
-            <a:ext cy="3725699" cx="8229600"/>
-          </a:xfrm>
-          <a:prstGeom prst="rect">
-            <a:avLst/>
-          </a:prstGeom>
-        </p:spPr>
-        <p:txBody>
-          <a:bodyPr bIns="91425" rIns="91425" lIns="91425" tIns="91425" anchor="t" anchorCtr="0">
-            <a:noAutofit/>
-          </a:bodyPr>
-          <a:lstStyle/>
-          <a:p>
-            <a:pPr rtl="0" lvl="0">
-              <a:spcBef>
-                <a:spcPts val="0"/>
-              </a:spcBef>
-              <a:spcAft>
-                <a:spcPts val="3600"/>
-              </a:spcAft>
-              <a:buNone/>
-            </a:pPr>
-            <a:r>
-              <a:rPr lang="en"/>
-              <a:t>Don’t ever degrade coding practices just to ship code.</a:t>
-            </a:r>
-          </a:p>
-          <a:p>
-            <a:pPr rtl="0" lvl="0" indent="-381000" marL="457200">
-              <a:spcBef>
-                <a:spcPts val="0"/>
-              </a:spcBef>
-              <a:spcAft>
-                <a:spcPts val="3600"/>
-              </a:spcAft>
-              <a:buClr>
-                <a:schemeClr val="dk1"/>
-              </a:buClr>
-              <a:buSzPct val="100000"/>
-              <a:buFont typeface="Arial"/>
-              <a:buAutoNum type="arabicPeriod"/>
-            </a:pPr>
-            <a:r>
-              <a:rPr sz="2400" lang="en"/>
-              <a:t>Automate best practices. Reduces energy barriers to do the right thing.</a:t>
-            </a:r>
-          </a:p>
-          <a:p>
-            <a:pPr rtl="0" lvl="0" indent="-381000" marL="457200">
-              <a:spcBef>
-                <a:spcPts val="0"/>
-              </a:spcBef>
-              <a:spcAft>
-                <a:spcPts val="3600"/>
-              </a:spcAft>
-              <a:buClr>
-                <a:schemeClr val="dk1"/>
-              </a:buClr>
-              <a:buSzPct val="100000"/>
-              <a:buFont typeface="Arial"/>
-              <a:buAutoNum type="arabicPeriod"/>
-            </a:pPr>
-            <a:r>
-              <a:rPr sz="2400" lang="en"/>
-              <a:t>When seeing patterns, develop an abstraction.</a:t>
-            </a:r>
-          </a:p>
-          <a:p>
-            <a:pPr rtl="0" lvl="0" indent="-381000" marL="457200">
-              <a:spcBef>
-                <a:spcPts val="0"/>
-              </a:spcBef>
-              <a:spcAft>
-                <a:spcPts val="3600"/>
-              </a:spcAft>
-              <a:buClr>
-                <a:schemeClr val="dk1"/>
-              </a:buClr>
-              <a:buSzPct val="100000"/>
-              <a:buFont typeface="Arial"/>
-              <a:buAutoNum type="arabicPeriod"/>
-            </a:pPr>
-            <a:r>
-              <a:rPr sz="2400" lang="en"/>
-              <a:t>Maintain these practices on the UI and treat it as a first-class citizen. We did this with React and Flux.</a:t>
+            <a:pPr algn="ctr">
+              <a:spcBef>
+                <a:spcPts val="0"/>
+              </a:spcBef>
+              <a:buNone/>
+            </a:pPr>
+            <a:r>
+              <a:rPr u="sng" lang="en">
+                <a:solidFill>
+                  <a:schemeClr val="hlink"/>
+                </a:solidFill>
+                <a:hlinkClick r:id="rId3"/>
+              </a:rPr>
+              <a:t>DEMO</a:t>
             </a:r>
           </a:p>
         </p:txBody>
@@ -27926,7 +27938,7 @@
   <p:cSld>
     <p:spTree>
       <p:nvGrpSpPr>
-        <p:cNvPr id="626" name="Shape 626"/>
+        <p:cNvPr id="625" name="Shape 625"/>
         <p:cNvGrpSpPr/>
         <p:nvPr/>
       </p:nvGrpSpPr>
@@ -27940,7 +27952,7 @@
       </p:grpSpPr>
       <p:sp>
         <p:nvSpPr>
-          <p:cNvPr id="627" name="Shape 627"/>
+          <p:cNvPr id="626" name="Shape 626"/>
           <p:cNvSpPr txBox="1"/>
           <p:nvPr>
             <p:ph type="title"/>
@@ -27969,6 +27981,169 @@
             </a:pPr>
             <a:r>
               <a:rPr lang="en"/>
+              <a:t>Conclusion</a:t>
+            </a:r>
+          </a:p>
+        </p:txBody>
+      </p:sp>
+      <p:sp>
+        <p:nvSpPr>
+          <p:cNvPr id="627" name="Shape 627"/>
+          <p:cNvSpPr txBox="1"/>
+          <p:nvPr>
+            <p:ph idx="1" type="body"/>
+          </p:nvPr>
+        </p:nvSpPr>
+        <p:spPr>
+          <a:xfrm>
+            <a:off y="742950" x="457200"/>
+            <a:ext cy="3725699" cx="8229600"/>
+          </a:xfrm>
+          <a:prstGeom prst="rect">
+            <a:avLst/>
+          </a:prstGeom>
+        </p:spPr>
+        <p:txBody>
+          <a:bodyPr bIns="91425" rIns="91425" lIns="91425" tIns="91425" anchor="t" anchorCtr="0">
+            <a:noAutofit/>
+          </a:bodyPr>
+          <a:lstStyle/>
+          <a:p>
+            <a:pPr rtl="0" lvl="0">
+              <a:spcBef>
+                <a:spcPts val="0"/>
+              </a:spcBef>
+              <a:spcAft>
+                <a:spcPts val="3600"/>
+              </a:spcAft>
+              <a:buNone/>
+            </a:pPr>
+            <a:r>
+              <a:rPr lang="en"/>
+              <a:t>Don’t ever degrade coding practices just to ship code.</a:t>
+            </a:r>
+          </a:p>
+          <a:p>
+            <a:pPr rtl="0" lvl="0" indent="-381000" marL="457200">
+              <a:spcBef>
+                <a:spcPts val="0"/>
+              </a:spcBef>
+              <a:spcAft>
+                <a:spcPts val="3600"/>
+              </a:spcAft>
+              <a:buClr>
+                <a:schemeClr val="dk1"/>
+              </a:buClr>
+              <a:buSzPct val="100000"/>
+              <a:buFont typeface="Arial"/>
+              <a:buAutoNum type="arabicPeriod"/>
+            </a:pPr>
+            <a:r>
+              <a:rPr sz="2400" lang="en"/>
+              <a:t>Automate best practices. Reduces energy barriers to do the right thing.</a:t>
+            </a:r>
+          </a:p>
+          <a:p>
+            <a:pPr rtl="0" lvl="0" indent="-381000" marL="457200">
+              <a:spcBef>
+                <a:spcPts val="0"/>
+              </a:spcBef>
+              <a:spcAft>
+                <a:spcPts val="3600"/>
+              </a:spcAft>
+              <a:buClr>
+                <a:schemeClr val="dk1"/>
+              </a:buClr>
+              <a:buSzPct val="100000"/>
+              <a:buFont typeface="Arial"/>
+              <a:buAutoNum type="arabicPeriod"/>
+            </a:pPr>
+            <a:r>
+              <a:rPr sz="2400" lang="en"/>
+              <a:t>When seeing patterns, develop an abstraction.</a:t>
+            </a:r>
+          </a:p>
+          <a:p>
+            <a:pPr rtl="0" lvl="0" indent="-381000" marL="457200">
+              <a:spcBef>
+                <a:spcPts val="0"/>
+              </a:spcBef>
+              <a:spcAft>
+                <a:spcPts val="3600"/>
+              </a:spcAft>
+              <a:buClr>
+                <a:schemeClr val="dk1"/>
+              </a:buClr>
+              <a:buSzPct val="100000"/>
+              <a:buFont typeface="Arial"/>
+              <a:buAutoNum type="arabicPeriod"/>
+            </a:pPr>
+            <a:r>
+              <a:rPr sz="2400" lang="en"/>
+              <a:t>Maintain these practices on the UI and treat it as a first-class citizen. We did this with React and Flux.</a:t>
+            </a:r>
+          </a:p>
+        </p:txBody>
+      </p:sp>
+    </p:spTree>
+  </p:cSld>
+  <p:clrMapOvr>
+    <a:masterClrMapping/>
+  </p:clrMapOvr>
+  <p:transition spd="slow">
+    <p:cut/>
+  </p:transition>
+</p:sld>
+</file>
+
+<file path=ppt/slides/slide46.xml><?xml version="1.0" encoding="utf-8"?>
+<p:sld xmlns:a="http://schemas.openxmlformats.org/drawingml/2006/main" xmlns:r="http://schemas.openxmlformats.org/officeDocument/2006/relationships" xmlns:mc="http://schemas.openxmlformats.org/markup-compatibility/2006" xmlns:mv="urn:schemas-microsoft-com:mac:vml" xmlns:p="http://schemas.openxmlformats.org/presentationml/2006/main" xmlns:c="http://schemas.openxmlformats.org/drawingml/2006/chart" xmlns:dgm="http://schemas.openxmlformats.org/drawingml/2006/diagram" xmlns:o="urn:schemas-microsoft-com:office:office" xmlns:v="urn:schemas-microsoft-com:vml" xmlns:pvml="urn:schemas-microsoft-com:office:powerpoint" xmlns:com="http://schemas.openxmlformats.org/drawingml/2006/compatibility" xmlns:p14="http://schemas.microsoft.com/office/powerpoint/2010/main">
+  <p:cSld>
+    <p:spTree>
+      <p:nvGrpSpPr>
+        <p:cNvPr id="631" name="Shape 631"/>
+        <p:cNvGrpSpPr/>
+        <p:nvPr/>
+      </p:nvGrpSpPr>
+      <p:grpSpPr>
+        <a:xfrm>
+          <a:off y="0" x="0"/>
+          <a:ext cy="0" cx="0"/>
+          <a:chOff y="0" x="0"/>
+          <a:chExt cy="0" cx="0"/>
+        </a:xfrm>
+      </p:grpSpPr>
+      <p:sp>
+        <p:nvSpPr>
+          <p:cNvPr id="632" name="Shape 632"/>
+          <p:cNvSpPr txBox="1"/>
+          <p:nvPr>
+            <p:ph type="title"/>
+          </p:nvPr>
+        </p:nvSpPr>
+        <p:spPr>
+          <a:xfrm>
+            <a:off y="-98821" x="457200"/>
+            <a:ext cy="857400" cx="8229600"/>
+          </a:xfrm>
+          <a:prstGeom prst="rect">
+            <a:avLst/>
+          </a:prstGeom>
+        </p:spPr>
+        <p:txBody>
+          <a:bodyPr bIns="91425" rIns="91425" lIns="91425" tIns="91425" anchor="b" anchorCtr="0">
+            <a:noAutofit/>
+          </a:bodyPr>
+          <a:lstStyle/>
+          <a:p>
+            <a:pPr rtl="0" lvl="0">
+              <a:spcBef>
+                <a:spcPts val="0"/>
+              </a:spcBef>
+              <a:buNone/>
+            </a:pPr>
+            <a:r>
+              <a:rPr lang="en"/>
               <a:t>Resources</a:t>
             </a:r>
           </a:p>
@@ -27976,7 +28151,7 @@
       </p:sp>
       <p:sp>
         <p:nvSpPr>
-          <p:cNvPr id="628" name="Shape 628"/>
+          <p:cNvPr id="633" name="Shape 633"/>
           <p:cNvSpPr txBox="1"/>
           <p:nvPr>
             <p:ph idx="1" type="body"/>
@@ -28016,11 +28191,20 @@
             </a:pPr>
             <a:r>
               <a:rPr sz="1400" lang="en"/>
-              <a:t>Our open source apps:</a:t>
-            </a:r>
-          </a:p>
-          <a:p>
-            <a:pPr rtl="0" lvl="1" indent="-317500" marL="914400">
+              <a:t>Slides/Examples - </a:t>
+            </a:r>
+            <a:r>
+              <a:rPr u="sng" sz="1400" lang="en">
+                <a:solidFill>
+                  <a:schemeClr val="hlink"/>
+                </a:solidFill>
+                <a:hlinkClick r:id="rId3"/>
+              </a:rPr>
+              <a:t>https://github.com/ambitioninc/ambition-pytennessee</a:t>
+            </a:r>
+          </a:p>
+          <a:p>
+            <a:pPr rtl="0" lvl="0" indent="-317500" marL="457200">
               <a:lnSpc>
                 <a:spcPct val="100000"/>
               </a:lnSpc>
@@ -28039,20 +28223,7 @@
             </a:pPr>
             <a:r>
               <a:rPr sz="1400" lang="en"/>
-              <a:t>Django Entity - </a:t>
-            </a:r>
-            <a:r>
-              <a:rPr u="sng" sz="1400" lang="en">
-                <a:solidFill>
-                  <a:schemeClr val="hlink"/>
-                </a:solidFill>
-                <a:hlinkClick r:id="rId3"/>
-              </a:rPr>
-              <a:t>http://github.com/ambitoninc/django-entity</a:t>
-            </a:r>
-            <a:r>
-              <a:rPr sz="1400" lang="en"/>
-              <a:t> </a:t>
+              <a:t>Our open source apps:</a:t>
             </a:r>
           </a:p>
           <a:p>
@@ -28075,7 +28246,7 @@
             </a:pPr>
             <a:r>
               <a:rPr sz="1400" lang="en"/>
-              <a:t>React UI - </a:t>
+              <a:t>Django Entity - </a:t>
             </a:r>
             <a:r>
               <a:rPr u="sng" sz="1400" lang="en">
@@ -28084,7 +28255,7 @@
                 </a:solidFill>
                 <a:hlinkClick r:id="rId4"/>
               </a:rPr>
-              <a:t>http://github.com/ambitioninc/react-ui</a:t>
+              <a:t>http://github.com/ambitoninc/django-entity</a:t>
             </a:r>
             <a:r>
               <a:rPr sz="1400" lang="en"/>
@@ -28111,7 +28282,7 @@
             </a:pPr>
             <a:r>
               <a:rPr sz="1400" lang="en"/>
-              <a:t>All of them - </a:t>
+              <a:t>React UI - </a:t>
             </a:r>
             <a:r>
               <a:rPr u="sng" sz="1400" lang="en">
@@ -28120,7 +28291,7 @@
                 </a:solidFill>
                 <a:hlinkClick r:id="rId5"/>
               </a:rPr>
-              <a:t>http://github.com/ambitioninc/</a:t>
+              <a:t>http://github.com/ambitioninc/react-ui</a:t>
             </a:r>
             <a:r>
               <a:rPr sz="1400" lang="en"/>
@@ -28128,7 +28299,7 @@
             </a:r>
           </a:p>
           <a:p>
-            <a:pPr rtl="0" lvl="0" indent="-317500" marL="457200">
+            <a:pPr rtl="0" lvl="1" indent="-317500" marL="914400">
               <a:lnSpc>
                 <a:spcPct val="100000"/>
               </a:lnSpc>
@@ -28147,11 +28318,24 @@
             </a:pPr>
             <a:r>
               <a:rPr sz="1400" lang="en"/>
-              <a:t>Static Analysis</a:t>
-            </a:r>
-          </a:p>
-          <a:p>
-            <a:pPr rtl="0" lvl="1" indent="-317500" marL="914400">
+              <a:t>All of them - </a:t>
+            </a:r>
+            <a:r>
+              <a:rPr u="sng" sz="1400" lang="en">
+                <a:solidFill>
+                  <a:schemeClr val="hlink"/>
+                </a:solidFill>
+                <a:hlinkClick r:id="rId6"/>
+              </a:rPr>
+              <a:t>http://github.com/ambitioninc/</a:t>
+            </a:r>
+            <a:r>
+              <a:rPr sz="1400" lang="en"/>
+              <a:t> </a:t>
+            </a:r>
+          </a:p>
+          <a:p>
+            <a:pPr rtl="0" lvl="0" indent="-317500" marL="457200">
               <a:lnSpc>
                 <a:spcPct val="100000"/>
               </a:lnSpc>
@@ -28170,16 +28354,7 @@
             </a:pPr>
             <a:r>
               <a:rPr sz="1400" lang="en"/>
-              <a:t>Flake8 - </a:t>
-            </a:r>
-            <a:r>
-              <a:rPr u="sng" sz="1400" lang="en">
-                <a:solidFill>
-                  <a:schemeClr val="hlink"/>
-                </a:solidFill>
-                <a:hlinkClick r:id="rId6"/>
-              </a:rPr>
-              <a:t>http://flake8.readthedocs.org/en/latest/</a:t>
+              <a:t>Static Analysis</a:t>
             </a:r>
           </a:p>
           <a:p>
@@ -28202,7 +28377,7 @@
             </a:pPr>
             <a:r>
               <a:rPr sz="1400" lang="en"/>
-              <a:t>Pylint - </a:t>
+              <a:t>Flake8 - </a:t>
             </a:r>
             <a:r>
               <a:rPr u="sng" sz="1400" lang="en">
@@ -28211,15 +28386,11 @@
                 </a:solidFill>
                 <a:hlinkClick r:id="rId7"/>
               </a:rPr>
-              <a:t>http://www.pylint.org/</a:t>
-            </a:r>
-            <a:r>
-              <a:rPr sz="1400" lang="en"/>
-              <a:t> </a:t>
-            </a:r>
-          </a:p>
-          <a:p>
-            <a:pPr rtl="0" lvl="0" indent="-317500" marL="457200">
+              <a:t>http://flake8.readthedocs.org/en/latest/</a:t>
+            </a:r>
+          </a:p>
+          <a:p>
+            <a:pPr rtl="0" lvl="1" indent="-317500" marL="914400">
               <a:lnSpc>
                 <a:spcPct val="100000"/>
               </a:lnSpc>
@@ -28238,11 +28409,24 @@
             </a:pPr>
             <a:r>
               <a:rPr sz="1400" lang="en"/>
-              <a:t>Continuous Integration</a:t>
-            </a:r>
-          </a:p>
-          <a:p>
-            <a:pPr rtl="0" lvl="1" indent="-317500" marL="914400">
+              <a:t>Pylint - </a:t>
+            </a:r>
+            <a:r>
+              <a:rPr u="sng" sz="1400" lang="en">
+                <a:solidFill>
+                  <a:schemeClr val="hlink"/>
+                </a:solidFill>
+                <a:hlinkClick r:id="rId8"/>
+              </a:rPr>
+              <a:t>http://www.pylint.org/</a:t>
+            </a:r>
+            <a:r>
+              <a:rPr sz="1400" lang="en"/>
+              <a:t> </a:t>
+            </a:r>
+          </a:p>
+          <a:p>
+            <a:pPr rtl="0" lvl="0" indent="-317500" marL="457200">
               <a:lnSpc>
                 <a:spcPct val="100000"/>
               </a:lnSpc>
@@ -28261,20 +28445,7 @@
             </a:pPr>
             <a:r>
               <a:rPr sz="1400" lang="en"/>
-              <a:t>TravisCI </a:t>
-            </a:r>
-            <a:r>
-              <a:rPr u="sng" sz="1400" lang="en">
-                <a:solidFill>
-                  <a:schemeClr val="hlink"/>
-                </a:solidFill>
-                <a:hlinkClick r:id="rId8"/>
-              </a:rPr>
-              <a:t>http://travisci.org/</a:t>
-            </a:r>
-            <a:r>
-              <a:rPr sz="1400" lang="en"/>
-              <a:t> </a:t>
+              <a:t>Continuous Integration</a:t>
             </a:r>
           </a:p>
           <a:p>
@@ -28297,7 +28468,7 @@
             </a:pPr>
             <a:r>
               <a:rPr sz="1400" lang="en"/>
-              <a:t>CircleCI </a:t>
+              <a:t>TravisCI </a:t>
             </a:r>
             <a:r>
               <a:rPr u="sng" sz="1400" lang="en">
@@ -28306,15 +28477,15 @@
                 </a:solidFill>
                 <a:hlinkClick r:id="rId9"/>
               </a:rPr>
-              <a:t>https://circleci.com/</a:t>
+              <a:t>http://travisci.org/</a:t>
             </a:r>
             <a:r>
               <a:rPr sz="1400" lang="en"/>
-              <a:t>	</a:t>
-            </a:r>
-          </a:p>
-          <a:p>
-            <a:pPr rtl="0" lvl="0" indent="-317500" marL="457200">
+              <a:t> </a:t>
+            </a:r>
+          </a:p>
+          <a:p>
+            <a:pPr rtl="0" lvl="1" indent="-317500" marL="914400">
               <a:lnSpc>
                 <a:spcPct val="100000"/>
               </a:lnSpc>
@@ -28333,11 +28504,24 @@
             </a:pPr>
             <a:r>
               <a:rPr sz="1400" lang="en"/>
-              <a:t>Documentation</a:t>
-            </a:r>
-          </a:p>
-          <a:p>
-            <a:pPr rtl="0" lvl="1" indent="-317500" marL="914400">
+              <a:t>CircleCI </a:t>
+            </a:r>
+            <a:r>
+              <a:rPr u="sng" sz="1400" lang="en">
+                <a:solidFill>
+                  <a:schemeClr val="hlink"/>
+                </a:solidFill>
+                <a:hlinkClick r:id="rId10"/>
+              </a:rPr>
+              <a:t>https://circleci.com/</a:t>
+            </a:r>
+            <a:r>
+              <a:rPr sz="1400" lang="en"/>
+              <a:t>	</a:t>
+            </a:r>
+          </a:p>
+          <a:p>
+            <a:pPr rtl="0" lvl="0" indent="-317500" marL="457200">
               <a:lnSpc>
                 <a:spcPct val="100000"/>
               </a:lnSpc>
@@ -28356,16 +28540,7 @@
             </a:pPr>
             <a:r>
               <a:rPr sz="1400" lang="en"/>
-              <a:t>RTD - </a:t>
-            </a:r>
-            <a:r>
-              <a:rPr u="sng" sz="1400" lang="en">
-                <a:solidFill>
-                  <a:schemeClr val="hlink"/>
-                </a:solidFill>
-                <a:hlinkClick r:id="rId10"/>
-              </a:rPr>
-              <a:t>https://readthedocs.org/</a:t>
+              <a:t>Documentation</a:t>
             </a:r>
           </a:p>
           <a:p>
@@ -28388,7 +28563,7 @@
             </a:pPr>
             <a:r>
               <a:rPr sz="1400" lang="en"/>
-              <a:t>MkDocs - </a:t>
+              <a:t>RTD - </a:t>
             </a:r>
             <a:r>
               <a:rPr u="sng" sz="1400" lang="en">
@@ -28397,7 +28572,7 @@
                 </a:solidFill>
                 <a:hlinkClick r:id="rId11"/>
               </a:rPr>
-              <a:t>http://www.mkdocs.org/</a:t>
+              <a:t>https://readthedocs.org/</a:t>
             </a:r>
           </a:p>
           <a:p>
@@ -28420,7 +28595,7 @@
             </a:pPr>
             <a:r>
               <a:rPr sz="1400" lang="en"/>
-              <a:t>Sphinx - </a:t>
+              <a:t>MkDocs - </a:t>
             </a:r>
             <a:r>
               <a:rPr u="sng" sz="1400" lang="en">
@@ -28429,11 +28604,11 @@
                 </a:solidFill>
                 <a:hlinkClick r:id="rId12"/>
               </a:rPr>
-              <a:t>http://sphinx-doc.org/index.html</a:t>
-            </a:r>
-          </a:p>
-          <a:p>
-            <a:pPr rtl="0" lvl="0" indent="-317500" marL="457200">
+              <a:t>http://www.mkdocs.org/</a:t>
+            </a:r>
+          </a:p>
+          <a:p>
+            <a:pPr rtl="0" lvl="1" indent="-317500" marL="914400">
               <a:lnSpc>
                 <a:spcPct val="100000"/>
               </a:lnSpc>
@@ -28452,7 +28627,7 @@
             </a:pPr>
             <a:r>
               <a:rPr sz="1400" lang="en"/>
-              <a:t>Google Python Style Guide - </a:t>
+              <a:t>Sphinx - </a:t>
             </a:r>
             <a:r>
               <a:rPr u="sng" sz="1400" lang="en">
@@ -28461,7 +28636,7 @@
                 </a:solidFill>
                 <a:hlinkClick r:id="rId13"/>
               </a:rPr>
-              <a:t>https://google-styleguide.googlecode.com/svn/trunk/pyguide.html</a:t>
+              <a:t>http://sphinx-doc.org/index.html</a:t>
             </a:r>
           </a:p>
           <a:p>
@@ -28484,11 +28659,20 @@
             </a:pPr>
             <a:r>
               <a:rPr sz="1400" lang="en"/>
-              <a:t>Ambition Project Templates (MIT Licensed)</a:t>
-            </a:r>
-          </a:p>
-          <a:p>
-            <a:pPr rtl="0" lvl="1" indent="-317500" marL="914400">
+              <a:t>Google Python Style Guide - </a:t>
+            </a:r>
+            <a:r>
+              <a:rPr u="sng" sz="1400" lang="en">
+                <a:solidFill>
+                  <a:schemeClr val="hlink"/>
+                </a:solidFill>
+                <a:hlinkClick r:id="rId14"/>
+              </a:rPr>
+              <a:t>https://google-styleguide.googlecode.com/svn/trunk/pyguide.html</a:t>
+            </a:r>
+          </a:p>
+          <a:p>
+            <a:pPr rtl="0" lvl="0" indent="-317500" marL="457200">
               <a:lnSpc>
                 <a:spcPct val="100000"/>
               </a:lnSpc>
@@ -28506,13 +28690,8 @@
               <a:buChar char="-"/>
             </a:pPr>
             <a:r>
-              <a:rPr u="sng" sz="1400" lang="en">
-                <a:solidFill>
-                  <a:schemeClr val="hlink"/>
-                </a:solidFill>
-                <a:hlinkClick r:id="rId14"/>
-              </a:rPr>
-              <a:t>https://github.com/ambitioninc/ambition-python-template</a:t>
+              <a:rPr sz="1400" lang="en"/>
+              <a:t>Ambition Project Templates (MIT Licensed)</a:t>
             </a:r>
           </a:p>
           <a:p>
@@ -28539,6 +28718,34 @@
                   <a:schemeClr val="hlink"/>
                 </a:solidFill>
                 <a:hlinkClick r:id="rId15"/>
+              </a:rPr>
+              <a:t>https://github.com/ambitioninc/ambition-python-template</a:t>
+            </a:r>
+          </a:p>
+          <a:p>
+            <a:pPr rtl="0" lvl="1" indent="-317500" marL="914400">
+              <a:lnSpc>
+                <a:spcPct val="100000"/>
+              </a:lnSpc>
+              <a:spcBef>
+                <a:spcPts val="0"/>
+              </a:spcBef>
+              <a:spcAft>
+                <a:spcPts val="3600"/>
+              </a:spcAft>
+              <a:buClr>
+                <a:schemeClr val="dk1"/>
+              </a:buClr>
+              <a:buSzPct val="100000"/>
+              <a:buFont typeface="Arial"/>
+              <a:buChar char="-"/>
+            </a:pPr>
+            <a:r>
+              <a:rPr u="sng" sz="1400" lang="en">
+                <a:solidFill>
+                  <a:schemeClr val="hlink"/>
+                </a:solidFill>
+                <a:hlinkClick r:id="rId16"/>
               </a:rPr>
               <a:t>https://github.com/ambitioninc/django-app-template</a:t>
             </a:r>
@@ -29220,6 +29427,283 @@
 </file>
 
 <file path=ppt/theme/theme1.xml><?xml version="1.0" encoding="utf-8"?>
+<a:theme xmlns:a="http://schemas.openxmlformats.org/drawingml/2006/main" xmlns:r="http://schemas.openxmlformats.org/officeDocument/2006/relationships" name="Custom Theme">
+  <a:themeElements>
+    <a:clrScheme name="Default">
+      <a:dk1>
+        <a:srgbClr val="000000"/>
+      </a:dk1>
+      <a:lt1>
+        <a:srgbClr val="FFFFFF"/>
+      </a:lt1>
+      <a:dk2>
+        <a:srgbClr val="158158"/>
+      </a:dk2>
+      <a:lt2>
+        <a:srgbClr val="F3F3F3"/>
+      </a:lt2>
+      <a:accent1>
+        <a:srgbClr val="058DC7"/>
+      </a:accent1>
+      <a:accent2>
+        <a:srgbClr val="50B432"/>
+      </a:accent2>
+      <a:accent3>
+        <a:srgbClr val="ED561B"/>
+      </a:accent3>
+      <a:accent4>
+        <a:srgbClr val="EDEF00"/>
+      </a:accent4>
+      <a:accent5>
+        <a:srgbClr val="24CBE5"/>
+      </a:accent5>
+      <a:accent6>
+        <a:srgbClr val="64E572"/>
+      </a:accent6>
+      <a:hlink>
+        <a:srgbClr val="2200CC"/>
+      </a:hlink>
+      <a:folHlink>
+        <a:srgbClr val="551A8B"/>
+      </a:folHlink>
+    </a:clrScheme>
+    <a:fontScheme name="Office">
+      <a:majorFont>
+        <a:latin typeface="Arial"/>
+        <a:ea typeface=""/>
+        <a:cs typeface=""/>
+        <a:font typeface="ＭＳ Ｐゴシック" script="Jpan"/>
+        <a:font typeface="맑은 고딕" script="Hang"/>
+        <a:font typeface="宋体" script="Hans"/>
+        <a:font typeface="新細明體" script="Hant"/>
+        <a:font typeface="Times New Roman" script="Arab"/>
+        <a:font typeface="Times New Roman" script="Hebr"/>
+        <a:font typeface="Angsana New" script="Thai"/>
+        <a:font typeface="Nyala" script="Ethi"/>
+        <a:font typeface="Vrinda" script="Beng"/>
+        <a:font typeface="Shruti" script="Gujr"/>
+        <a:font typeface="MoolBoran" script="Khmr"/>
+        <a:font typeface="Tunga" script="Knda"/>
+        <a:font typeface="Raavi" script="Guru"/>
+        <a:font typeface="Euphemia" script="Cans"/>
+        <a:font typeface="Plantagenet Cherokee" script="Cher"/>
+        <a:font typeface="Microsoft Yi Baiti" script="Yiii"/>
+        <a:font typeface="Microsoft Himalaya" script="Tibt"/>
+        <a:font typeface="MV Boli" script="Thaa"/>
+        <a:font typeface="Mangal" script="Deva"/>
+        <a:font typeface="Gautami" script="Telu"/>
+        <a:font typeface="Latha" script="Taml"/>
+        <a:font typeface="Estrangelo Edessa" script="Syrc"/>
+        <a:font typeface="Kalinga" script="Orya"/>
+        <a:font typeface="Kartika" script="Mlym"/>
+        <a:font typeface="DokChampa" script="Laoo"/>
+        <a:font typeface="Iskoola Pota" script="Sinh"/>
+        <a:font typeface="Mongolian Baiti" script="Mong"/>
+        <a:font typeface="Times New Roman" script="Viet"/>
+        <a:font typeface="Microsoft Uighur" script="Uigh"/>
+      </a:majorFont>
+      <a:minorFont>
+        <a:latin typeface="Arial"/>
+        <a:ea typeface=""/>
+        <a:cs typeface=""/>
+        <a:font typeface="ＭＳ Ｐゴシック" script="Jpan"/>
+        <a:font typeface="맑은 고딕" script="Hang"/>
+        <a:font typeface="宋体" script="Hans"/>
+        <a:font typeface="新細明體" script="Hant"/>
+        <a:font typeface="Times New Roman" script="Arab"/>
+        <a:font typeface="Times New Roman" script="Hebr"/>
+        <a:font typeface="Angsana New" script="Thai"/>
+        <a:font typeface="Nyala" script="Ethi"/>
+        <a:font typeface="Vrinda" script="Beng"/>
+        <a:font typeface="Shruti" script="Gujr"/>
+        <a:font typeface="MoolBoran" script="Khmr"/>
+        <a:font typeface="Tunga" script="Knda"/>
+        <a:font typeface="Raavi" script="Guru"/>
+        <a:font typeface="Euphemia" script="Cans"/>
+        <a:font typeface="Plantagenet Cherokee" script="Cher"/>
+        <a:font typeface="Microsoft Yi Baiti" script="Yiii"/>
+        <a:font typeface="Microsoft Himalaya" script="Tibt"/>
+        <a:font typeface="MV Boli" script="Thaa"/>
+        <a:font typeface="Mangal" script="Deva"/>
+        <a:font typeface="Gautami" script="Telu"/>
+        <a:font typeface="Latha" script="Taml"/>
+        <a:font typeface="Estrangelo Edessa" script="Syrc"/>
+        <a:font typeface="Kalinga" script="Orya"/>
+        <a:font typeface="Kartika" script="Mlym"/>
+        <a:font typeface="DokChampa" script="Laoo"/>
+        <a:font typeface="Iskoola Pota" script="Sinh"/>
+        <a:font typeface="Mongolian Baiti" script="Mong"/>
+        <a:font typeface="Times New Roman" script="Viet"/>
+        <a:font typeface="Microsoft Uighur" script="Uigh"/>
+      </a:minorFont>
+    </a:fontScheme>
+    <a:fmtScheme name="Office">
+      <a:fillStyleLst>
+        <a:solidFill>
+          <a:schemeClr val="phClr"/>
+        </a:solidFill>
+        <a:gradFill rotWithShape="1">
+          <a:gsLst>
+            <a:gs pos="0">
+              <a:schemeClr val="phClr">
+                <a:tint val="50000"/>
+                <a:satMod val="300000"/>
+              </a:schemeClr>
+            </a:gs>
+            <a:gs pos="35000">
+              <a:schemeClr val="phClr">
+                <a:tint val="37000"/>
+                <a:satMod val="300000"/>
+              </a:schemeClr>
+            </a:gs>
+            <a:gs pos="100000">
+              <a:schemeClr val="phClr">
+                <a:tint val="15000"/>
+                <a:satMod val="350000"/>
+              </a:schemeClr>
+            </a:gs>
+          </a:gsLst>
+          <a:lin ang="16200000" scaled="1"/>
+        </a:gradFill>
+        <a:gradFill rotWithShape="1">
+          <a:gsLst>
+            <a:gs pos="0">
+              <a:schemeClr val="phClr">
+                <a:tint val="100000"/>
+                <a:shade val="100000"/>
+                <a:satMod val="130000"/>
+              </a:schemeClr>
+            </a:gs>
+            <a:gs pos="100000">
+              <a:schemeClr val="phClr">
+                <a:tint val="50000"/>
+                <a:shade val="100000"/>
+                <a:satMod val="350000"/>
+              </a:schemeClr>
+            </a:gs>
+          </a:gsLst>
+          <a:lin ang="16200000" scaled="0"/>
+        </a:gradFill>
+      </a:fillStyleLst>
+      <a:lnStyleLst>
+        <a:ln w="9525" algn="ctr" cap="flat" cmpd="sng">
+          <a:solidFill>
+            <a:schemeClr val="phClr">
+              <a:shade val="95000"/>
+              <a:satMod val="105000"/>
+            </a:schemeClr>
+          </a:solidFill>
+          <a:prstDash val="solid"/>
+        </a:ln>
+        <a:ln w="25400" algn="ctr" cap="flat" cmpd="sng">
+          <a:solidFill>
+            <a:schemeClr val="phClr"/>
+          </a:solidFill>
+          <a:prstDash val="solid"/>
+        </a:ln>
+        <a:ln w="38100" algn="ctr" cap="flat" cmpd="sng">
+          <a:solidFill>
+            <a:schemeClr val="phClr"/>
+          </a:solidFill>
+          <a:prstDash val="solid"/>
+        </a:ln>
+      </a:lnStyleLst>
+      <a:effectStyleLst>
+        <a:effectStyle>
+          <a:effectLst>
+            <a:outerShdw rotWithShape="0" dir="5400000" blurRad="40000" dist="20000">
+              <a:srgbClr val="000000">
+                <a:alpha val="38000"/>
+              </a:srgbClr>
+            </a:outerShdw>
+          </a:effectLst>
+        </a:effectStyle>
+        <a:effectStyle>
+          <a:effectLst>
+            <a:outerShdw rotWithShape="0" dir="5400000" blurRad="40000" dist="23000">
+              <a:srgbClr val="000000">
+                <a:alpha val="35000"/>
+              </a:srgbClr>
+            </a:outerShdw>
+          </a:effectLst>
+        </a:effectStyle>
+        <a:effectStyle>
+          <a:effectLst>
+            <a:outerShdw rotWithShape="0" dir="5400000" blurRad="40000" dist="23000">
+              <a:srgbClr val="000000">
+                <a:alpha val="35000"/>
+              </a:srgbClr>
+            </a:outerShdw>
+          </a:effectLst>
+          <a:scene3d>
+            <a:camera prst="orthographicFront">
+              <a:rot rev="0" lon="0" lat="0"/>
+            </a:camera>
+            <a:lightRig dir="t" rig="threePt">
+              <a:rot rev="1200000" lon="0" lat="0"/>
+            </a:lightRig>
+          </a:scene3d>
+          <a:sp3d>
+            <a:bevelT w="63500" h="25400"/>
+          </a:sp3d>
+        </a:effectStyle>
+      </a:effectStyleLst>
+      <a:bgFillStyleLst>
+        <a:solidFill>
+          <a:schemeClr val="phClr"/>
+        </a:solidFill>
+        <a:gradFill rotWithShape="1">
+          <a:gsLst>
+            <a:gs pos="0">
+              <a:schemeClr val="phClr">
+                <a:tint val="40000"/>
+                <a:satMod val="350000"/>
+              </a:schemeClr>
+            </a:gs>
+            <a:gs pos="40000">
+              <a:schemeClr val="phClr">
+                <a:tint val="45000"/>
+                <a:shade val="99000"/>
+                <a:satMod val="350000"/>
+              </a:schemeClr>
+            </a:gs>
+            <a:gs pos="100000">
+              <a:schemeClr val="phClr">
+                <a:shade val="20000"/>
+                <a:satMod val="255000"/>
+              </a:schemeClr>
+            </a:gs>
+          </a:gsLst>
+          <a:path path="circle">
+            <a:fillToRect t="-80000" b="180000" r="50000" l="50000"/>
+          </a:path>
+        </a:gradFill>
+        <a:gradFill rotWithShape="1">
+          <a:gsLst>
+            <a:gs pos="0">
+              <a:schemeClr val="phClr">
+                <a:tint val="80000"/>
+                <a:satMod val="300000"/>
+              </a:schemeClr>
+            </a:gs>
+            <a:gs pos="100000">
+              <a:schemeClr val="phClr">
+                <a:shade val="30000"/>
+                <a:satMod val="200000"/>
+              </a:schemeClr>
+            </a:gs>
+          </a:gsLst>
+          <a:path path="circle">
+            <a:fillToRect t="50000" b="50000" r="50000" l="50000"/>
+          </a:path>
+        </a:gradFill>
+      </a:bgFillStyleLst>
+    </a:fmtScheme>
+  </a:themeElements>
+</a:theme>
+</file>
+
+<file path=ppt/theme/theme2.xml><?xml version="1.0" encoding="utf-8"?>
 <a:theme xmlns:a="http://schemas.openxmlformats.org/drawingml/2006/main" xmlns:r="http://schemas.openxmlformats.org/officeDocument/2006/relationships" name="simple-light">
   <a:themeElements>
     <a:clrScheme name="Custom 347">
@@ -29496,7 +29980,7 @@
 </a:theme>
 </file>
 
-<file path=ppt/theme/theme2.xml><?xml version="1.0" encoding="utf-8"?>
+<file path=ppt/theme/theme3.xml><?xml version="1.0" encoding="utf-8"?>
 <a:theme xmlns:a="http://schemas.openxmlformats.org/drawingml/2006/main" xmlns:r="http://schemas.openxmlformats.org/officeDocument/2006/relationships" name="Office Theme">
   <a:themeElements>
     <a:clrScheme name="Office">
@@ -29811,281 +30295,4 @@
     </a:lnDef>
   </a:objectDefaults>
 </a:theme>
-</file>
-
-<file path=ppt/theme/theme3.xml><?xml version="1.0" encoding="utf-8"?>
-<a:theme xmlns:a="http://schemas.openxmlformats.org/drawingml/2006/main" xmlns:r="http://schemas.openxmlformats.org/officeDocument/2006/relationships" name="Custom Theme">
-  <a:themeElements>
-    <a:clrScheme name="Default">
-      <a:dk1>
-        <a:srgbClr val="000000"/>
-      </a:dk1>
-      <a:lt1>
-        <a:srgbClr val="FFFFFF"/>
-      </a:lt1>
-      <a:dk2>
-        <a:srgbClr val="158158"/>
-      </a:dk2>
-      <a:lt2>
-        <a:srgbClr val="F3F3F3"/>
-      </a:lt2>
-      <a:accent1>
-        <a:srgbClr val="058DC7"/>
-      </a:accent1>
-      <a:accent2>
-        <a:srgbClr val="50B432"/>
-      </a:accent2>
-      <a:accent3>
-        <a:srgbClr val="ED561B"/>
-      </a:accent3>
-      <a:accent4>
-        <a:srgbClr val="EDEF00"/>
-      </a:accent4>
-      <a:accent5>
-        <a:srgbClr val="24CBE5"/>
-      </a:accent5>
-      <a:accent6>
-        <a:srgbClr val="64E572"/>
-      </a:accent6>
-      <a:hlink>
-        <a:srgbClr val="2200CC"/>
-      </a:hlink>
-      <a:folHlink>
-        <a:srgbClr val="551A8B"/>
-      </a:folHlink>
-    </a:clrScheme>
-    <a:fontScheme name="Office">
-      <a:majorFont>
-        <a:latin typeface="Arial"/>
-        <a:ea typeface=""/>
-        <a:cs typeface=""/>
-        <a:font typeface="ＭＳ Ｐゴシック" script="Jpan"/>
-        <a:font typeface="맑은 고딕" script="Hang"/>
-        <a:font typeface="宋体" script="Hans"/>
-        <a:font typeface="新細明體" script="Hant"/>
-        <a:font typeface="Times New Roman" script="Arab"/>
-        <a:font typeface="Times New Roman" script="Hebr"/>
-        <a:font typeface="Angsana New" script="Thai"/>
-        <a:font typeface="Nyala" script="Ethi"/>
-        <a:font typeface="Vrinda" script="Beng"/>
-        <a:font typeface="Shruti" script="Gujr"/>
-        <a:font typeface="MoolBoran" script="Khmr"/>
-        <a:font typeface="Tunga" script="Knda"/>
-        <a:font typeface="Raavi" script="Guru"/>
-        <a:font typeface="Euphemia" script="Cans"/>
-        <a:font typeface="Plantagenet Cherokee" script="Cher"/>
-        <a:font typeface="Microsoft Yi Baiti" script="Yiii"/>
-        <a:font typeface="Microsoft Himalaya" script="Tibt"/>
-        <a:font typeface="MV Boli" script="Thaa"/>
-        <a:font typeface="Mangal" script="Deva"/>
-        <a:font typeface="Gautami" script="Telu"/>
-        <a:font typeface="Latha" script="Taml"/>
-        <a:font typeface="Estrangelo Edessa" script="Syrc"/>
-        <a:font typeface="Kalinga" script="Orya"/>
-        <a:font typeface="Kartika" script="Mlym"/>
-        <a:font typeface="DokChampa" script="Laoo"/>
-        <a:font typeface="Iskoola Pota" script="Sinh"/>
-        <a:font typeface="Mongolian Baiti" script="Mong"/>
-        <a:font typeface="Times New Roman" script="Viet"/>
-        <a:font typeface="Microsoft Uighur" script="Uigh"/>
-      </a:majorFont>
-      <a:minorFont>
-        <a:latin typeface="Arial"/>
-        <a:ea typeface=""/>
-        <a:cs typeface=""/>
-        <a:font typeface="ＭＳ Ｐゴシック" script="Jpan"/>
-        <a:font typeface="맑은 고딕" script="Hang"/>
-        <a:font typeface="宋体" script="Hans"/>
-        <a:font typeface="新細明體" script="Hant"/>
-        <a:font typeface="Times New Roman" script="Arab"/>
-        <a:font typeface="Times New Roman" script="Hebr"/>
-        <a:font typeface="Angsana New" script="Thai"/>
-        <a:font typeface="Nyala" script="Ethi"/>
-        <a:font typeface="Vrinda" script="Beng"/>
-        <a:font typeface="Shruti" script="Gujr"/>
-        <a:font typeface="MoolBoran" script="Khmr"/>
-        <a:font typeface="Tunga" script="Knda"/>
-        <a:font typeface="Raavi" script="Guru"/>
-        <a:font typeface="Euphemia" script="Cans"/>
-        <a:font typeface="Plantagenet Cherokee" script="Cher"/>
-        <a:font typeface="Microsoft Yi Baiti" script="Yiii"/>
-        <a:font typeface="Microsoft Himalaya" script="Tibt"/>
-        <a:font typeface="MV Boli" script="Thaa"/>
-        <a:font typeface="Mangal" script="Deva"/>
-        <a:font typeface="Gautami" script="Telu"/>
-        <a:font typeface="Latha" script="Taml"/>
-        <a:font typeface="Estrangelo Edessa" script="Syrc"/>
-        <a:font typeface="Kalinga" script="Orya"/>
-        <a:font typeface="Kartika" script="Mlym"/>
-        <a:font typeface="DokChampa" script="Laoo"/>
-        <a:font typeface="Iskoola Pota" script="Sinh"/>
-        <a:font typeface="Mongolian Baiti" script="Mong"/>
-        <a:font typeface="Times New Roman" script="Viet"/>
-        <a:font typeface="Microsoft Uighur" script="Uigh"/>
-      </a:minorFont>
-    </a:fontScheme>
-    <a:fmtScheme name="Office">
-      <a:fillStyleLst>
-        <a:solidFill>
-          <a:schemeClr val="phClr"/>
-        </a:solidFill>
-        <a:gradFill rotWithShape="1">
-          <a:gsLst>
-            <a:gs pos="0">
-              <a:schemeClr val="phClr">
-                <a:tint val="50000"/>
-                <a:satMod val="300000"/>
-              </a:schemeClr>
-            </a:gs>
-            <a:gs pos="35000">
-              <a:schemeClr val="phClr">
-                <a:tint val="37000"/>
-                <a:satMod val="300000"/>
-              </a:schemeClr>
-            </a:gs>
-            <a:gs pos="100000">
-              <a:schemeClr val="phClr">
-                <a:tint val="15000"/>
-                <a:satMod val="350000"/>
-              </a:schemeClr>
-            </a:gs>
-          </a:gsLst>
-          <a:lin ang="16200000" scaled="1"/>
-        </a:gradFill>
-        <a:gradFill rotWithShape="1">
-          <a:gsLst>
-            <a:gs pos="0">
-              <a:schemeClr val="phClr">
-                <a:tint val="100000"/>
-                <a:shade val="100000"/>
-                <a:satMod val="130000"/>
-              </a:schemeClr>
-            </a:gs>
-            <a:gs pos="100000">
-              <a:schemeClr val="phClr">
-                <a:tint val="50000"/>
-                <a:shade val="100000"/>
-                <a:satMod val="350000"/>
-              </a:schemeClr>
-            </a:gs>
-          </a:gsLst>
-          <a:lin ang="16200000" scaled="0"/>
-        </a:gradFill>
-      </a:fillStyleLst>
-      <a:lnStyleLst>
-        <a:ln w="9525" algn="ctr" cap="flat" cmpd="sng">
-          <a:solidFill>
-            <a:schemeClr val="phClr">
-              <a:shade val="95000"/>
-              <a:satMod val="105000"/>
-            </a:schemeClr>
-          </a:solidFill>
-          <a:prstDash val="solid"/>
-        </a:ln>
-        <a:ln w="25400" algn="ctr" cap="flat" cmpd="sng">
-          <a:solidFill>
-            <a:schemeClr val="phClr"/>
-          </a:solidFill>
-          <a:prstDash val="solid"/>
-        </a:ln>
-        <a:ln w="38100" algn="ctr" cap="flat" cmpd="sng">
-          <a:solidFill>
-            <a:schemeClr val="phClr"/>
-          </a:solidFill>
-          <a:prstDash val="solid"/>
-        </a:ln>
-      </a:lnStyleLst>
-      <a:effectStyleLst>
-        <a:effectStyle>
-          <a:effectLst>
-            <a:outerShdw rotWithShape="0" dir="5400000" blurRad="40000" dist="20000">
-              <a:srgbClr val="000000">
-                <a:alpha val="38000"/>
-              </a:srgbClr>
-            </a:outerShdw>
-          </a:effectLst>
-        </a:effectStyle>
-        <a:effectStyle>
-          <a:effectLst>
-            <a:outerShdw rotWithShape="0" dir="5400000" blurRad="40000" dist="23000">
-              <a:srgbClr val="000000">
-                <a:alpha val="35000"/>
-              </a:srgbClr>
-            </a:outerShdw>
-          </a:effectLst>
-        </a:effectStyle>
-        <a:effectStyle>
-          <a:effectLst>
-            <a:outerShdw rotWithShape="0" dir="5400000" blurRad="40000" dist="23000">
-              <a:srgbClr val="000000">
-                <a:alpha val="35000"/>
-              </a:srgbClr>
-            </a:outerShdw>
-          </a:effectLst>
-          <a:scene3d>
-            <a:camera prst="orthographicFront">
-              <a:rot rev="0" lon="0" lat="0"/>
-            </a:camera>
-            <a:lightRig dir="t" rig="threePt">
-              <a:rot rev="1200000" lon="0" lat="0"/>
-            </a:lightRig>
-          </a:scene3d>
-          <a:sp3d>
-            <a:bevelT w="63500" h="25400"/>
-          </a:sp3d>
-        </a:effectStyle>
-      </a:effectStyleLst>
-      <a:bgFillStyleLst>
-        <a:solidFill>
-          <a:schemeClr val="phClr"/>
-        </a:solidFill>
-        <a:gradFill rotWithShape="1">
-          <a:gsLst>
-            <a:gs pos="0">
-              <a:schemeClr val="phClr">
-                <a:tint val="40000"/>
-                <a:satMod val="350000"/>
-              </a:schemeClr>
-            </a:gs>
-            <a:gs pos="40000">
-              <a:schemeClr val="phClr">
-                <a:tint val="45000"/>
-                <a:shade val="99000"/>
-                <a:satMod val="350000"/>
-              </a:schemeClr>
-            </a:gs>
-            <a:gs pos="100000">
-              <a:schemeClr val="phClr">
-                <a:shade val="20000"/>
-                <a:satMod val="255000"/>
-              </a:schemeClr>
-            </a:gs>
-          </a:gsLst>
-          <a:path path="circle">
-            <a:fillToRect t="-80000" b="180000" r="50000" l="50000"/>
-          </a:path>
-        </a:gradFill>
-        <a:gradFill rotWithShape="1">
-          <a:gsLst>
-            <a:gs pos="0">
-              <a:schemeClr val="phClr">
-                <a:tint val="80000"/>
-                <a:satMod val="300000"/>
-              </a:schemeClr>
-            </a:gs>
-            <a:gs pos="100000">
-              <a:schemeClr val="phClr">
-                <a:shade val="30000"/>
-                <a:satMod val="200000"/>
-              </a:schemeClr>
-            </a:gs>
-          </a:gsLst>
-          <a:path path="circle">
-            <a:fillToRect t="50000" b="50000" r="50000" l="50000"/>
-          </a:path>
-        </a:gradFill>
-      </a:bgFillStyleLst>
-    </a:fmtScheme>
-  </a:themeElements>
-</a:theme>
 </file>
--- a/slides/ambition_pytennessee.pptx
+++ b/slides/ambition_pytennessee.pptx
@@ -24529,6 +24529,23 @@
               <a:buClr>
                 <a:schemeClr val="dk1"/>
               </a:buClr>
+              <a:buSzPct val="80000"/>
+              <a:buFont typeface="Arial"/>
+              <a:buChar char="-"/>
+            </a:pPr>
+            <a:r>
+              <a:rPr lang="en"/>
+              <a:t>Entity vs Teams, Accounts, Leagues</a:t>
+            </a:r>
+          </a:p>
+          <a:p>
+            <a:pPr rtl="0" lvl="1" indent="-381000" marL="914400">
+              <a:spcBef>
+                <a:spcPts val="0"/>
+              </a:spcBef>
+              <a:buClr>
+                <a:schemeClr val="dk1"/>
+              </a:buClr>
               <a:buSzPct val="100000"/>
               <a:buFont typeface="Arial"/>
               <a:buChar char="-"/>
@@ -24725,6 +24742,23 @@
             </a:pPr>
             <a:r>
               <a:rPr lang="en"/>
+              <a:t>Facebook’s open source JS library</a:t>
+            </a:r>
+          </a:p>
+          <a:p>
+            <a:pPr rtl="0" lvl="0" indent="-419100" marL="457200">
+              <a:spcBef>
+                <a:spcPts val="0"/>
+              </a:spcBef>
+              <a:buClr>
+                <a:schemeClr val="dk1"/>
+              </a:buClr>
+              <a:buSzPct val="100000"/>
+              <a:buFont typeface="Arial"/>
+              <a:buChar char="-"/>
+            </a:pPr>
+            <a:r>
+              <a:rPr lang="en"/>
               <a:t>Components</a:t>
             </a:r>
           </a:p>
@@ -29427,283 +29461,6 @@
 </file>
 
 <file path=ppt/theme/theme1.xml><?xml version="1.0" encoding="utf-8"?>
-<a:theme xmlns:a="http://schemas.openxmlformats.org/drawingml/2006/main" xmlns:r="http://schemas.openxmlformats.org/officeDocument/2006/relationships" name="Custom Theme">
-  <a:themeElements>
-    <a:clrScheme name="Default">
-      <a:dk1>
-        <a:srgbClr val="000000"/>
-      </a:dk1>
-      <a:lt1>
-        <a:srgbClr val="FFFFFF"/>
-      </a:lt1>
-      <a:dk2>
-        <a:srgbClr val="158158"/>
-      </a:dk2>
-      <a:lt2>
-        <a:srgbClr val="F3F3F3"/>
-      </a:lt2>
-      <a:accent1>
-        <a:srgbClr val="058DC7"/>
-      </a:accent1>
-      <a:accent2>
-        <a:srgbClr val="50B432"/>
-      </a:accent2>
-      <a:accent3>
-        <a:srgbClr val="ED561B"/>
-      </a:accent3>
-      <a:accent4>
-        <a:srgbClr val="EDEF00"/>
-      </a:accent4>
-      <a:accent5>
-        <a:srgbClr val="24CBE5"/>
-      </a:accent5>
-      <a:accent6>
-        <a:srgbClr val="64E572"/>
-      </a:accent6>
-      <a:hlink>
-        <a:srgbClr val="2200CC"/>
-      </a:hlink>
-      <a:folHlink>
-        <a:srgbClr val="551A8B"/>
-      </a:folHlink>
-    </a:clrScheme>
-    <a:fontScheme name="Office">
-      <a:majorFont>
-        <a:latin typeface="Arial"/>
-        <a:ea typeface=""/>
-        <a:cs typeface=""/>
-        <a:font typeface="ＭＳ Ｐゴシック" script="Jpan"/>
-        <a:font typeface="맑은 고딕" script="Hang"/>
-        <a:font typeface="宋体" script="Hans"/>
-        <a:font typeface="新細明體" script="Hant"/>
-        <a:font typeface="Times New Roman" script="Arab"/>
-        <a:font typeface="Times New Roman" script="Hebr"/>
-        <a:font typeface="Angsana New" script="Thai"/>
-        <a:font typeface="Nyala" script="Ethi"/>
-        <a:font typeface="Vrinda" script="Beng"/>
-        <a:font typeface="Shruti" script="Gujr"/>
-        <a:font typeface="MoolBoran" script="Khmr"/>
-        <a:font typeface="Tunga" script="Knda"/>
-        <a:font typeface="Raavi" script="Guru"/>
-        <a:font typeface="Euphemia" script="Cans"/>
-        <a:font typeface="Plantagenet Cherokee" script="Cher"/>
-        <a:font typeface="Microsoft Yi Baiti" script="Yiii"/>
-        <a:font typeface="Microsoft Himalaya" script="Tibt"/>
-        <a:font typeface="MV Boli" script="Thaa"/>
-        <a:font typeface="Mangal" script="Deva"/>
-        <a:font typeface="Gautami" script="Telu"/>
-        <a:font typeface="Latha" script="Taml"/>
-        <a:font typeface="Estrangelo Edessa" script="Syrc"/>
-        <a:font typeface="Kalinga" script="Orya"/>
-        <a:font typeface="Kartika" script="Mlym"/>
-        <a:font typeface="DokChampa" script="Laoo"/>
-        <a:font typeface="Iskoola Pota" script="Sinh"/>
-        <a:font typeface="Mongolian Baiti" script="Mong"/>
-        <a:font typeface="Times New Roman" script="Viet"/>
-        <a:font typeface="Microsoft Uighur" script="Uigh"/>
-      </a:majorFont>
-      <a:minorFont>
-        <a:latin typeface="Arial"/>
-        <a:ea typeface=""/>
-        <a:cs typeface=""/>
-        <a:font typeface="ＭＳ Ｐゴシック" script="Jpan"/>
-        <a:font typeface="맑은 고딕" script="Hang"/>
-        <a:font typeface="宋体" script="Hans"/>
-        <a:font typeface="新細明體" script="Hant"/>
-        <a:font typeface="Times New Roman" script="Arab"/>
-        <a:font typeface="Times New Roman" script="Hebr"/>
-        <a:font typeface="Angsana New" script="Thai"/>
-        <a:font typeface="Nyala" script="Ethi"/>
-        <a:font typeface="Vrinda" script="Beng"/>
-        <a:font typeface="Shruti" script="Gujr"/>
-        <a:font typeface="MoolBoran" script="Khmr"/>
-        <a:font typeface="Tunga" script="Knda"/>
-        <a:font typeface="Raavi" script="Guru"/>
-        <a:font typeface="Euphemia" script="Cans"/>
-        <a:font typeface="Plantagenet Cherokee" script="Cher"/>
-        <a:font typeface="Microsoft Yi Baiti" script="Yiii"/>
-        <a:font typeface="Microsoft Himalaya" script="Tibt"/>
-        <a:font typeface="MV Boli" script="Thaa"/>
-        <a:font typeface="Mangal" script="Deva"/>
-        <a:font typeface="Gautami" script="Telu"/>
-        <a:font typeface="Latha" script="Taml"/>
-        <a:font typeface="Estrangelo Edessa" script="Syrc"/>
-        <a:font typeface="Kalinga" script="Orya"/>
-        <a:font typeface="Kartika" script="Mlym"/>
-        <a:font typeface="DokChampa" script="Laoo"/>
-        <a:font typeface="Iskoola Pota" script="Sinh"/>
-        <a:font typeface="Mongolian Baiti" script="Mong"/>
-        <a:font typeface="Times New Roman" script="Viet"/>
-        <a:font typeface="Microsoft Uighur" script="Uigh"/>
-      </a:minorFont>
-    </a:fontScheme>
-    <a:fmtScheme name="Office">
-      <a:fillStyleLst>
-        <a:solidFill>
-          <a:schemeClr val="phClr"/>
-        </a:solidFill>
-        <a:gradFill rotWithShape="1">
-          <a:gsLst>
-            <a:gs pos="0">
-              <a:schemeClr val="phClr">
-                <a:tint val="50000"/>
-                <a:satMod val="300000"/>
-              </a:schemeClr>
-            </a:gs>
-            <a:gs pos="35000">
-              <a:schemeClr val="phClr">
-                <a:tint val="37000"/>
-                <a:satMod val="300000"/>
-              </a:schemeClr>
-            </a:gs>
-            <a:gs pos="100000">
-              <a:schemeClr val="phClr">
-                <a:tint val="15000"/>
-                <a:satMod val="350000"/>
-              </a:schemeClr>
-            </a:gs>
-          </a:gsLst>
-          <a:lin ang="16200000" scaled="1"/>
-        </a:gradFill>
-        <a:gradFill rotWithShape="1">
-          <a:gsLst>
-            <a:gs pos="0">
-              <a:schemeClr val="phClr">
-                <a:tint val="100000"/>
-                <a:shade val="100000"/>
-                <a:satMod val="130000"/>
-              </a:schemeClr>
-            </a:gs>
-            <a:gs pos="100000">
-              <a:schemeClr val="phClr">
-                <a:tint val="50000"/>
-                <a:shade val="100000"/>
-                <a:satMod val="350000"/>
-              </a:schemeClr>
-            </a:gs>
-          </a:gsLst>
-          <a:lin ang="16200000" scaled="0"/>
-        </a:gradFill>
-      </a:fillStyleLst>
-      <a:lnStyleLst>
-        <a:ln w="9525" algn="ctr" cap="flat" cmpd="sng">
-          <a:solidFill>
-            <a:schemeClr val="phClr">
-              <a:shade val="95000"/>
-              <a:satMod val="105000"/>
-            </a:schemeClr>
-          </a:solidFill>
-          <a:prstDash val="solid"/>
-        </a:ln>
-        <a:ln w="25400" algn="ctr" cap="flat" cmpd="sng">
-          <a:solidFill>
-            <a:schemeClr val="phClr"/>
-          </a:solidFill>
-          <a:prstDash val="solid"/>
-        </a:ln>
-        <a:ln w="38100" algn="ctr" cap="flat" cmpd="sng">
-          <a:solidFill>
-            <a:schemeClr val="phClr"/>
-          </a:solidFill>
-          <a:prstDash val="solid"/>
-        </a:ln>
-      </a:lnStyleLst>
-      <a:effectStyleLst>
-        <a:effectStyle>
-          <a:effectLst>
-            <a:outerShdw rotWithShape="0" dir="5400000" blurRad="40000" dist="20000">
-              <a:srgbClr val="000000">
-                <a:alpha val="38000"/>
-              </a:srgbClr>
-            </a:outerShdw>
-          </a:effectLst>
-        </a:effectStyle>
-        <a:effectStyle>
-          <a:effectLst>
-            <a:outerShdw rotWithShape="0" dir="5400000" blurRad="40000" dist="23000">
-              <a:srgbClr val="000000">
-                <a:alpha val="35000"/>
-              </a:srgbClr>
-            </a:outerShdw>
-          </a:effectLst>
-        </a:effectStyle>
-        <a:effectStyle>
-          <a:effectLst>
-            <a:outerShdw rotWithShape="0" dir="5400000" blurRad="40000" dist="23000">
-              <a:srgbClr val="000000">
-                <a:alpha val="35000"/>
-              </a:srgbClr>
-            </a:outerShdw>
-          </a:effectLst>
-          <a:scene3d>
-            <a:camera prst="orthographicFront">
-              <a:rot rev="0" lon="0" lat="0"/>
-            </a:camera>
-            <a:lightRig dir="t" rig="threePt">
-              <a:rot rev="1200000" lon="0" lat="0"/>
-            </a:lightRig>
-          </a:scene3d>
-          <a:sp3d>
-            <a:bevelT w="63500" h="25400"/>
-          </a:sp3d>
-        </a:effectStyle>
-      </a:effectStyleLst>
-      <a:bgFillStyleLst>
-        <a:solidFill>
-          <a:schemeClr val="phClr"/>
-        </a:solidFill>
-        <a:gradFill rotWithShape="1">
-          <a:gsLst>
-            <a:gs pos="0">
-              <a:schemeClr val="phClr">
-                <a:tint val="40000"/>
-                <a:satMod val="350000"/>
-              </a:schemeClr>
-            </a:gs>
-            <a:gs pos="40000">
-              <a:schemeClr val="phClr">
-                <a:tint val="45000"/>
-                <a:shade val="99000"/>
-                <a:satMod val="350000"/>
-              </a:schemeClr>
-            </a:gs>
-            <a:gs pos="100000">
-              <a:schemeClr val="phClr">
-                <a:shade val="20000"/>
-                <a:satMod val="255000"/>
-              </a:schemeClr>
-            </a:gs>
-          </a:gsLst>
-          <a:path path="circle">
-            <a:fillToRect t="-80000" b="180000" r="50000" l="50000"/>
-          </a:path>
-        </a:gradFill>
-        <a:gradFill rotWithShape="1">
-          <a:gsLst>
-            <a:gs pos="0">
-              <a:schemeClr val="phClr">
-                <a:tint val="80000"/>
-                <a:satMod val="300000"/>
-              </a:schemeClr>
-            </a:gs>
-            <a:gs pos="100000">
-              <a:schemeClr val="phClr">
-                <a:shade val="30000"/>
-                <a:satMod val="200000"/>
-              </a:schemeClr>
-            </a:gs>
-          </a:gsLst>
-          <a:path path="circle">
-            <a:fillToRect t="50000" b="50000" r="50000" l="50000"/>
-          </a:path>
-        </a:gradFill>
-      </a:bgFillStyleLst>
-    </a:fmtScheme>
-  </a:themeElements>
-</a:theme>
-</file>
-
-<file path=ppt/theme/theme2.xml><?xml version="1.0" encoding="utf-8"?>
 <a:theme xmlns:a="http://schemas.openxmlformats.org/drawingml/2006/main" xmlns:r="http://schemas.openxmlformats.org/officeDocument/2006/relationships" name="simple-light">
   <a:themeElements>
     <a:clrScheme name="Custom 347">
@@ -29980,7 +29737,7 @@
 </a:theme>
 </file>
 
-<file path=ppt/theme/theme3.xml><?xml version="1.0" encoding="utf-8"?>
+<file path=ppt/theme/theme2.xml><?xml version="1.0" encoding="utf-8"?>
 <a:theme xmlns:a="http://schemas.openxmlformats.org/drawingml/2006/main" xmlns:r="http://schemas.openxmlformats.org/officeDocument/2006/relationships" name="Office Theme">
   <a:themeElements>
     <a:clrScheme name="Office">
@@ -30295,4 +30052,281 @@
     </a:lnDef>
   </a:objectDefaults>
 </a:theme>
+</file>
+
+<file path=ppt/theme/theme3.xml><?xml version="1.0" encoding="utf-8"?>
+<a:theme xmlns:a="http://schemas.openxmlformats.org/drawingml/2006/main" xmlns:r="http://schemas.openxmlformats.org/officeDocument/2006/relationships" name="Custom Theme">
+  <a:themeElements>
+    <a:clrScheme name="Default">
+      <a:dk1>
+        <a:srgbClr val="000000"/>
+      </a:dk1>
+      <a:lt1>
+        <a:srgbClr val="FFFFFF"/>
+      </a:lt1>
+      <a:dk2>
+        <a:srgbClr val="158158"/>
+      </a:dk2>
+      <a:lt2>
+        <a:srgbClr val="F3F3F3"/>
+      </a:lt2>
+      <a:accent1>
+        <a:srgbClr val="058DC7"/>
+      </a:accent1>
+      <a:accent2>
+        <a:srgbClr val="50B432"/>
+      </a:accent2>
+      <a:accent3>
+        <a:srgbClr val="ED561B"/>
+      </a:accent3>
+      <a:accent4>
+        <a:srgbClr val="EDEF00"/>
+      </a:accent4>
+      <a:accent5>
+        <a:srgbClr val="24CBE5"/>
+      </a:accent5>
+      <a:accent6>
+        <a:srgbClr val="64E572"/>
+      </a:accent6>
+      <a:hlink>
+        <a:srgbClr val="2200CC"/>
+      </a:hlink>
+      <a:folHlink>
+        <a:srgbClr val="551A8B"/>
+      </a:folHlink>
+    </a:clrScheme>
+    <a:fontScheme name="Office">
+      <a:majorFont>
+        <a:latin typeface="Arial"/>
+        <a:ea typeface=""/>
+        <a:cs typeface=""/>
+        <a:font typeface="ＭＳ Ｐゴシック" script="Jpan"/>
+        <a:font typeface="맑은 고딕" script="Hang"/>
+        <a:font typeface="宋体" script="Hans"/>
+        <a:font typeface="新細明體" script="Hant"/>
+        <a:font typeface="Times New Roman" script="Arab"/>
+        <a:font typeface="Times New Roman" script="Hebr"/>
+        <a:font typeface="Angsana New" script="Thai"/>
+        <a:font typeface="Nyala" script="Ethi"/>
+        <a:font typeface="Vrinda" script="Beng"/>
+        <a:font typeface="Shruti" script="Gujr"/>
+        <a:font typeface="MoolBoran" script="Khmr"/>
+        <a:font typeface="Tunga" script="Knda"/>
+        <a:font typeface="Raavi" script="Guru"/>
+        <a:font typeface="Euphemia" script="Cans"/>
+        <a:font typeface="Plantagenet Cherokee" script="Cher"/>
+        <a:font typeface="Microsoft Yi Baiti" script="Yiii"/>
+        <a:font typeface="Microsoft Himalaya" script="Tibt"/>
+        <a:font typeface="MV Boli" script="Thaa"/>
+        <a:font typeface="Mangal" script="Deva"/>
+        <a:font typeface="Gautami" script="Telu"/>
+        <a:font typeface="Latha" script="Taml"/>
+        <a:font typeface="Estrangelo Edessa" script="Syrc"/>
+        <a:font typeface="Kalinga" script="Orya"/>
+        <a:font typeface="Kartika" script="Mlym"/>
+        <a:font typeface="DokChampa" script="Laoo"/>
+        <a:font typeface="Iskoola Pota" script="Sinh"/>
+        <a:font typeface="Mongolian Baiti" script="Mong"/>
+        <a:font typeface="Times New Roman" script="Viet"/>
+        <a:font typeface="Microsoft Uighur" script="Uigh"/>
+      </a:majorFont>
+      <a:minorFont>
+        <a:latin typeface="Arial"/>
+        <a:ea typeface=""/>
+        <a:cs typeface=""/>
+        <a:font typeface="ＭＳ Ｐゴシック" script="Jpan"/>
+        <a:font typeface="맑은 고딕" script="Hang"/>
+        <a:font typeface="宋体" script="Hans"/>
+        <a:font typeface="新細明體" script="Hant"/>
+        <a:font typeface="Times New Roman" script="Arab"/>
+        <a:font typeface="Times New Roman" script="Hebr"/>
+        <a:font typeface="Angsana New" script="Thai"/>
+        <a:font typeface="Nyala" script="Ethi"/>
+        <a:font typeface="Vrinda" script="Beng"/>
+        <a:font typeface="Shruti" script="Gujr"/>
+        <a:font typeface="MoolBoran" script="Khmr"/>
+        <a:font typeface="Tunga" script="Knda"/>
+        <a:font typeface="Raavi" script="Guru"/>
+        <a:font typeface="Euphemia" script="Cans"/>
+        <a:font typeface="Plantagenet Cherokee" script="Cher"/>
+        <a:font typeface="Microsoft Yi Baiti" script="Yiii"/>
+        <a:font typeface="Microsoft Himalaya" script="Tibt"/>
+        <a:font typeface="MV Boli" script="Thaa"/>
+        <a:font typeface="Mangal" script="Deva"/>
+        <a:font typeface="Gautami" script="Telu"/>
+        <a:font typeface="Latha" script="Taml"/>
+        <a:font typeface="Estrangelo Edessa" script="Syrc"/>
+        <a:font typeface="Kalinga" script="Orya"/>
+        <a:font typeface="Kartika" script="Mlym"/>
+        <a:font typeface="DokChampa" script="Laoo"/>
+        <a:font typeface="Iskoola Pota" script="Sinh"/>
+        <a:font typeface="Mongolian Baiti" script="Mong"/>
+        <a:font typeface="Times New Roman" script="Viet"/>
+        <a:font typeface="Microsoft Uighur" script="Uigh"/>
+      </a:minorFont>
+    </a:fontScheme>
+    <a:fmtScheme name="Office">
+      <a:fillStyleLst>
+        <a:solidFill>
+          <a:schemeClr val="phClr"/>
+        </a:solidFill>
+        <a:gradFill rotWithShape="1">
+          <a:gsLst>
+            <a:gs pos="0">
+              <a:schemeClr val="phClr">
+                <a:tint val="50000"/>
+                <a:satMod val="300000"/>
+              </a:schemeClr>
+            </a:gs>
+            <a:gs pos="35000">
+              <a:schemeClr val="phClr">
+                <a:tint val="37000"/>
+                <a:satMod val="300000"/>
+              </a:schemeClr>
+            </a:gs>
+            <a:gs pos="100000">
+              <a:schemeClr val="phClr">
+                <a:tint val="15000"/>
+                <a:satMod val="350000"/>
+              </a:schemeClr>
+            </a:gs>
+          </a:gsLst>
+          <a:lin ang="16200000" scaled="1"/>
+        </a:gradFill>
+        <a:gradFill rotWithShape="1">
+          <a:gsLst>
+            <a:gs pos="0">
+              <a:schemeClr val="phClr">
+                <a:tint val="100000"/>
+                <a:shade val="100000"/>
+                <a:satMod val="130000"/>
+              </a:schemeClr>
+            </a:gs>
+            <a:gs pos="100000">
+              <a:schemeClr val="phClr">
+                <a:tint val="50000"/>
+                <a:shade val="100000"/>
+                <a:satMod val="350000"/>
+              </a:schemeClr>
+            </a:gs>
+          </a:gsLst>
+          <a:lin ang="16200000" scaled="0"/>
+        </a:gradFill>
+      </a:fillStyleLst>
+      <a:lnStyleLst>
+        <a:ln w="9525" algn="ctr" cap="flat" cmpd="sng">
+          <a:solidFill>
+            <a:schemeClr val="phClr">
+              <a:shade val="95000"/>
+              <a:satMod val="105000"/>
+            </a:schemeClr>
+          </a:solidFill>
+          <a:prstDash val="solid"/>
+        </a:ln>
+        <a:ln w="25400" algn="ctr" cap="flat" cmpd="sng">
+          <a:solidFill>
+            <a:schemeClr val="phClr"/>
+          </a:solidFill>
+          <a:prstDash val="solid"/>
+        </a:ln>
+        <a:ln w="38100" algn="ctr" cap="flat" cmpd="sng">
+          <a:solidFill>
+            <a:schemeClr val="phClr"/>
+          </a:solidFill>
+          <a:prstDash val="solid"/>
+        </a:ln>
+      </a:lnStyleLst>
+      <a:effectStyleLst>
+        <a:effectStyle>
+          <a:effectLst>
+            <a:outerShdw rotWithShape="0" dir="5400000" blurRad="40000" dist="20000">
+              <a:srgbClr val="000000">
+                <a:alpha val="38000"/>
+              </a:srgbClr>
+            </a:outerShdw>
+          </a:effectLst>
+        </a:effectStyle>
+        <a:effectStyle>
+          <a:effectLst>
+            <a:outerShdw rotWithShape="0" dir="5400000" blurRad="40000" dist="23000">
+              <a:srgbClr val="000000">
+                <a:alpha val="35000"/>
+              </a:srgbClr>
+            </a:outerShdw>
+          </a:effectLst>
+        </a:effectStyle>
+        <a:effectStyle>
+          <a:effectLst>
+            <a:outerShdw rotWithShape="0" dir="5400000" blurRad="40000" dist="23000">
+              <a:srgbClr val="000000">
+                <a:alpha val="35000"/>
+              </a:srgbClr>
+            </a:outerShdw>
+          </a:effectLst>
+          <a:scene3d>
+            <a:camera prst="orthographicFront">
+              <a:rot rev="0" lon="0" lat="0"/>
+            </a:camera>
+            <a:lightRig dir="t" rig="threePt">
+              <a:rot rev="1200000" lon="0" lat="0"/>
+            </a:lightRig>
+          </a:scene3d>
+          <a:sp3d>
+            <a:bevelT w="63500" h="25400"/>
+          </a:sp3d>
+        </a:effectStyle>
+      </a:effectStyleLst>
+      <a:bgFillStyleLst>
+        <a:solidFill>
+          <a:schemeClr val="phClr"/>
+        </a:solidFill>
+        <a:gradFill rotWithShape="1">
+          <a:gsLst>
+            <a:gs pos="0">
+              <a:schemeClr val="phClr">
+                <a:tint val="40000"/>
+                <a:satMod val="350000"/>
+              </a:schemeClr>
+            </a:gs>
+            <a:gs pos="40000">
+              <a:schemeClr val="phClr">
+                <a:tint val="45000"/>
+                <a:shade val="99000"/>
+                <a:satMod val="350000"/>
+              </a:schemeClr>
+            </a:gs>
+            <a:gs pos="100000">
+              <a:schemeClr val="phClr">
+                <a:shade val="20000"/>
+                <a:satMod val="255000"/>
+              </a:schemeClr>
+            </a:gs>
+          </a:gsLst>
+          <a:path path="circle">
+            <a:fillToRect t="-80000" b="180000" r="50000" l="50000"/>
+          </a:path>
+        </a:gradFill>
+        <a:gradFill rotWithShape="1">
+          <a:gsLst>
+            <a:gs pos="0">
+              <a:schemeClr val="phClr">
+                <a:tint val="80000"/>
+                <a:satMod val="300000"/>
+              </a:schemeClr>
+            </a:gs>
+            <a:gs pos="100000">
+              <a:schemeClr val="phClr">
+                <a:shade val="30000"/>
+                <a:satMod val="200000"/>
+              </a:schemeClr>
+            </a:gs>
+          </a:gsLst>
+          <a:path path="circle">
+            <a:fillToRect t="50000" b="50000" r="50000" l="50000"/>
+          </a:path>
+        </a:gradFill>
+      </a:bgFillStyleLst>
+    </a:fmtScheme>
+  </a:themeElements>
+</a:theme>
 </file>